--- a/GiterDun Presentation.pptx
+++ b/GiterDun Presentation.pptx
@@ -6,15 +6,16 @@
     <p:sldMasterId id="2147483671" r:id="rId2"/>
   </p:sldMasterIdLst>
   <p:notesMasterIdLst>
-    <p:notesMasterId r:id="rId9"/>
+    <p:notesMasterId r:id="rId10"/>
   </p:notesMasterIdLst>
   <p:sldIdLst>
     <p:sldId id="258" r:id="rId3"/>
     <p:sldId id="257" r:id="rId4"/>
-    <p:sldId id="733" r:id="rId5"/>
-    <p:sldId id="735" r:id="rId6"/>
-    <p:sldId id="736" r:id="rId7"/>
-    <p:sldId id="734" r:id="rId8"/>
+    <p:sldId id="736" r:id="rId5"/>
+    <p:sldId id="733" r:id="rId6"/>
+    <p:sldId id="737" r:id="rId7"/>
+    <p:sldId id="735" r:id="rId8"/>
+    <p:sldId id="734" r:id="rId9"/>
   </p:sldIdLst>
   <p:sldSz cx="12192000" cy="6858000"/>
   <p:notesSz cx="6858000" cy="9144000"/>
@@ -113,6 +114,11 @@
       </a:defRPr>
     </a:lvl9pPr>
   </p:defaultTextStyle>
+  <p:extLst>
+    <p:ext uri="{EFAFB233-063F-42B5-8137-9DF3F51BA10A}">
+      <p15:sldGuideLst xmlns:p15="http://schemas.microsoft.com/office/powerpoint/2012/main"/>
+    </p:ext>
+  </p:extLst>
 </p:presentation>
 </file>
 
@@ -1258,7 +1264,7 @@
           <a:p>
             <a:fld id="{69685EF1-E703-46DB-B8E6-B1636C21AD63}" type="datetimeFigureOut">
               <a:rPr lang="en-US" smtClean="0"/>
-              <a:t>8/29/2019</a:t>
+              <a:t>9/5/2019</a:t>
             </a:fld>
             <a:endParaRPr lang="en-US"/>
           </a:p>
@@ -1590,7 +1596,7 @@
           <a:p>
             <a:fld id="{7F220CB7-DCA5-4E5B-97F1-300CDD8D2AAB}" type="slidenum">
               <a:rPr lang="en-US" smtClean="0"/>
-              <a:t>3</a:t>
+              <a:t>4</a:t>
             </a:fld>
             <a:endParaRPr lang="en-US" dirty="0"/>
           </a:p>
@@ -1721,7 +1727,7 @@
                 <a:tabLst/>
                 <a:defRPr/>
               </a:pPr>
-              <a:t>6</a:t>
+              <a:t>7</a:t>
             </a:fld>
             <a:endParaRPr kumimoji="0" lang="en-US" sz="1200" b="0" i="0" u="none" strike="noStrike" kern="1200" cap="none" spc="0" normalizeH="0" baseline="0" noProof="0" dirty="0">
               <a:ln>
@@ -2027,7 +2033,7 @@
           <a:p>
             <a:fld id="{78ABE3C1-DBE1-495D-B57B-2849774B866A}" type="datetimeFigureOut">
               <a:rPr lang="en-US" dirty="0"/>
-              <a:t>8/29/2019</a:t>
+              <a:t>9/5/2019</a:t>
             </a:fld>
             <a:endParaRPr lang="en-US" dirty="0"/>
           </a:p>
@@ -2436,7 +2442,7 @@
           <a:p>
             <a:fld id="{446C117F-5CCF-4837-BE5F-2B92066CAFAF}" type="datetimeFigureOut">
               <a:rPr lang="en-US" dirty="0"/>
-              <a:t>8/29/2019</a:t>
+              <a:t>9/5/2019</a:t>
             </a:fld>
             <a:endParaRPr lang="en-US" dirty="0"/>
           </a:p>
@@ -2767,7 +2773,7 @@
           <a:p>
             <a:fld id="{84EB90BD-B6CE-46B7-997F-7313B992CCDC}" type="datetimeFigureOut">
               <a:rPr lang="en-US" dirty="0"/>
-              <a:t>8/29/2019</a:t>
+              <a:t>9/5/2019</a:t>
             </a:fld>
             <a:endParaRPr lang="en-US" dirty="0"/>
           </a:p>
@@ -3167,7 +3173,7 @@
           <a:p>
             <a:fld id="{CDB9D11F-B188-461D-B23F-39381795C052}" type="datetimeFigureOut">
               <a:rPr lang="en-US" dirty="0"/>
-              <a:t>8/29/2019</a:t>
+              <a:t>9/5/2019</a:t>
             </a:fld>
             <a:endParaRPr lang="en-US" dirty="0"/>
           </a:p>
@@ -3730,7 +3736,7 @@
           <a:p>
             <a:fld id="{52E6D8D9-55A2-4063-B0F3-121F44549695}" type="datetimeFigureOut">
               <a:rPr lang="en-US" dirty="0"/>
-              <a:t>8/29/2019</a:t>
+              <a:t>9/5/2019</a:t>
             </a:fld>
             <a:endParaRPr lang="en-US" dirty="0"/>
           </a:p>
@@ -4406,7 +4412,7 @@
           <a:p>
             <a:fld id="{D4B24536-994D-4021-A283-9F449C0DB509}" type="datetimeFigureOut">
               <a:rPr lang="en-US" dirty="0"/>
-              <a:t>8/29/2019</a:t>
+              <a:t>9/5/2019</a:t>
             </a:fld>
             <a:endParaRPr lang="en-US" dirty="0"/>
           </a:p>
@@ -5314,7 +5320,7 @@
           <a:p>
             <a:fld id="{3CBBBB78-C96F-47B7-AB17-D852CA960AC9}" type="datetimeFigureOut">
               <a:rPr lang="en-US" dirty="0"/>
-              <a:t>8/29/2019</a:t>
+              <a:t>9/5/2019</a:t>
             </a:fld>
             <a:endParaRPr lang="en-US" dirty="0"/>
           </a:p>
@@ -5622,7 +5628,7 @@
           <a:p>
             <a:fld id="{1FA3F48C-C7C6-4055-9F49-3777875E72AE}" type="datetimeFigureOut">
               <a:rPr lang="en-US" dirty="0"/>
-              <a:t>8/29/2019</a:t>
+              <a:t>9/5/2019</a:t>
             </a:fld>
             <a:endParaRPr lang="en-US" dirty="0"/>
           </a:p>
@@ -5881,7 +5887,7 @@
           <a:p>
             <a:fld id="{6178E61D-D431-422C-9764-11DAFE33AB63}" type="datetimeFigureOut">
               <a:rPr lang="en-US" dirty="0"/>
-              <a:t>8/29/2019</a:t>
+              <a:t>9/5/2019</a:t>
             </a:fld>
             <a:endParaRPr lang="en-US" dirty="0"/>
           </a:p>
@@ -6382,7 +6388,7 @@
           <a:p>
             <a:fld id="{12DE42F4-6EEF-4EF7-8ED4-2208F0F89A08}" type="datetimeFigureOut">
               <a:rPr lang="en-US" dirty="0"/>
-              <a:t>8/29/2019</a:t>
+              <a:t>9/5/2019</a:t>
             </a:fld>
             <a:endParaRPr lang="en-US" dirty="0"/>
           </a:p>
@@ -7350,7 +7356,7 @@
           <a:p>
             <a:fld id="{4E5A6C69-6797-4E8A-BF37-F2C3751466E9}" type="datetimeFigureOut">
               <a:rPr lang="en-US" dirty="0"/>
-              <a:t>8/29/2019</a:t>
+              <a:t>9/5/2019</a:t>
             </a:fld>
             <a:endParaRPr lang="en-US" dirty="0"/>
           </a:p>
@@ -7851,7 +7857,7 @@
           <a:p>
             <a:fld id="{D82014A1-A632-4878-A0D3-F52BA7563730}" type="datetimeFigureOut">
               <a:rPr lang="en-US" dirty="0"/>
-              <a:t>8/29/2019</a:t>
+              <a:t>9/5/2019</a:t>
             </a:fld>
             <a:endParaRPr lang="en-US" dirty="0"/>
           </a:p>
@@ -8103,7 +8109,7 @@
           <a:p>
             <a:fld id="{CE99F462-093F-4566-844B-4C71F2739DA5}" type="datetimeFigureOut">
               <a:rPr lang="en-US" dirty="0"/>
-              <a:t>8/29/2019</a:t>
+              <a:t>9/5/2019</a:t>
             </a:fld>
             <a:endParaRPr lang="en-US" dirty="0"/>
           </a:p>
@@ -8261,7 +8267,7 @@
           <a:p>
             <a:fld id="{3D24A7AC-904D-4781-85BA-7D10C17ED021}" type="datetimeFigureOut">
               <a:rPr lang="en-US" dirty="0"/>
-              <a:t>8/29/2019</a:t>
+              <a:t>9/5/2019</a:t>
             </a:fld>
             <a:endParaRPr lang="en-US" dirty="0"/>
           </a:p>
@@ -8646,7 +8652,7 @@
           <a:p>
             <a:fld id="{E331444B-B92B-4E27-8C94-BB93EAF5CB18}" type="datetimeFigureOut">
               <a:rPr lang="en-US" dirty="0"/>
-              <a:t>8/29/2019</a:t>
+              <a:t>9/5/2019</a:t>
             </a:fld>
             <a:endParaRPr lang="en-US" dirty="0"/>
           </a:p>
@@ -9050,7 +9056,7 @@
           <a:p>
             <a:fld id="{363EFA5E-FA76-400D-B3DC-F0BA90E6D107}" type="datetimeFigureOut">
               <a:rPr lang="en-US" dirty="0"/>
-              <a:t>8/29/2019</a:t>
+              <a:t>9/5/2019</a:t>
             </a:fld>
             <a:endParaRPr lang="en-US" dirty="0"/>
           </a:p>
@@ -9289,7 +9295,7 @@
           <a:p>
             <a:fld id="{9D6E9DEC-419B-4CC5-A080-3B06BD5A8291}" type="datetimeFigureOut">
               <a:rPr lang="en-US" dirty="0"/>
-              <a:t>8/29/2019</a:t>
+              <a:t>9/5/2019</a:t>
             </a:fld>
             <a:endParaRPr lang="en-US" dirty="0"/>
           </a:p>
@@ -10690,6 +10696,282 @@
       </p:grpSpPr>
       <p:sp>
         <p:nvSpPr>
+          <p:cNvPr id="2" name="Title 1">
+            <a:extLst>
+              <a:ext uri="{FF2B5EF4-FFF2-40B4-BE49-F238E27FC236}">
+                <a16:creationId xmlns:a16="http://schemas.microsoft.com/office/drawing/2014/main" id="{6A22A7E4-5C91-4AE1-9A37-1DE12AC7695D}"/>
+              </a:ext>
+            </a:extLst>
+          </p:cNvPr>
+          <p:cNvSpPr>
+            <a:spLocks noGrp="1"/>
+          </p:cNvSpPr>
+          <p:nvPr>
+            <p:ph type="title"/>
+          </p:nvPr>
+        </p:nvSpPr>
+        <p:spPr/>
+        <p:txBody>
+          <a:bodyPr/>
+          <a:lstStyle/>
+          <a:p>
+            <a:r>
+              <a:rPr lang="en-US" dirty="0"/>
+              <a:t>TOC</a:t>
+            </a:r>
+          </a:p>
+        </p:txBody>
+      </p:sp>
+      <p:sp>
+        <p:nvSpPr>
+          <p:cNvPr id="3" name="Rectangle 2">
+            <a:extLst>
+              <a:ext uri="{FF2B5EF4-FFF2-40B4-BE49-F238E27FC236}">
+                <a16:creationId xmlns:a16="http://schemas.microsoft.com/office/drawing/2014/main" id="{6527710A-FE55-4353-ADEE-D0B59E31B9CE}"/>
+              </a:ext>
+            </a:extLst>
+          </p:cNvPr>
+          <p:cNvSpPr/>
+          <p:nvPr/>
+        </p:nvSpPr>
+        <p:spPr>
+          <a:xfrm>
+            <a:off x="426721" y="1456163"/>
+            <a:ext cx="10695708" cy="4524315"/>
+          </a:xfrm>
+          <a:prstGeom prst="rect">
+            <a:avLst/>
+          </a:prstGeom>
+        </p:spPr>
+        <p:txBody>
+          <a:bodyPr wrap="square">
+            <a:spAutoFit/>
+          </a:bodyPr>
+          <a:lstStyle/>
+          <a:p>
+            <a:pPr marL="342900" indent="-342900" fontAlgn="base">
+              <a:buFont typeface="+mj-lt"/>
+              <a:buAutoNum type="arabicPeriod"/>
+            </a:pPr>
+            <a:r>
+              <a:rPr lang="en-US" dirty="0">
+                <a:solidFill>
+                  <a:schemeClr val="bg1"/>
+                </a:solidFill>
+              </a:rPr>
+              <a:t>Team Overview</a:t>
+            </a:r>
+          </a:p>
+          <a:p>
+            <a:pPr marL="342900" indent="-342900" fontAlgn="base">
+              <a:buFont typeface="+mj-lt"/>
+              <a:buAutoNum type="arabicPeriod"/>
+            </a:pPr>
+            <a:r>
+              <a:rPr lang="en-US" dirty="0">
+                <a:solidFill>
+                  <a:schemeClr val="bg1"/>
+                </a:solidFill>
+              </a:rPr>
+              <a:t>Methodology</a:t>
+            </a:r>
+          </a:p>
+          <a:p>
+            <a:pPr marL="342900" indent="-342900" fontAlgn="base">
+              <a:buFont typeface="+mj-lt"/>
+              <a:buAutoNum type="arabicPeriod"/>
+            </a:pPr>
+            <a:r>
+              <a:rPr lang="en-US" dirty="0">
+                <a:solidFill>
+                  <a:schemeClr val="bg1"/>
+                </a:solidFill>
+              </a:rPr>
+              <a:t>Summary</a:t>
+            </a:r>
+          </a:p>
+          <a:p>
+            <a:pPr marL="342900" indent="-342900" fontAlgn="base">
+              <a:buFont typeface="+mj-lt"/>
+              <a:buAutoNum type="arabicPeriod"/>
+            </a:pPr>
+            <a:r>
+              <a:rPr lang="en-US" dirty="0">
+                <a:solidFill>
+                  <a:schemeClr val="bg1"/>
+                </a:solidFill>
+              </a:rPr>
+              <a:t>Data Review</a:t>
+            </a:r>
+          </a:p>
+          <a:p>
+            <a:pPr marL="800100" lvl="1" indent="-342900" fontAlgn="base">
+              <a:buFont typeface="+mj-lt"/>
+              <a:buAutoNum type="alphaLcPeriod"/>
+            </a:pPr>
+            <a:r>
+              <a:rPr lang="en-US" dirty="0">
+                <a:solidFill>
+                  <a:schemeClr val="bg1"/>
+                </a:solidFill>
+              </a:rPr>
+              <a:t>Heat Map of Funding Per Category  </a:t>
+            </a:r>
+          </a:p>
+          <a:p>
+            <a:pPr marL="800100" lvl="1" indent="-342900" fontAlgn="base">
+              <a:buFont typeface="+mj-lt"/>
+              <a:buAutoNum type="alphaLcPeriod"/>
+            </a:pPr>
+            <a:r>
+              <a:rPr lang="en-US" dirty="0" err="1">
+                <a:solidFill>
+                  <a:schemeClr val="bg1"/>
+                </a:solidFill>
+              </a:rPr>
+              <a:t>Geomap</a:t>
+            </a:r>
+            <a:r>
+              <a:rPr lang="en-US" dirty="0">
+                <a:solidFill>
+                  <a:schemeClr val="bg1"/>
+                </a:solidFill>
+              </a:rPr>
+              <a:t> of Location by Category</a:t>
+            </a:r>
+          </a:p>
+          <a:p>
+            <a:pPr marL="800100" lvl="1" indent="-342900" fontAlgn="base">
+              <a:buFont typeface="+mj-lt"/>
+              <a:buAutoNum type="alphaLcPeriod"/>
+            </a:pPr>
+            <a:r>
+              <a:rPr lang="en-US" dirty="0">
+                <a:solidFill>
+                  <a:schemeClr val="bg1"/>
+                </a:solidFill>
+              </a:rPr>
+              <a:t>Year over Year of funding by City</a:t>
+            </a:r>
+          </a:p>
+          <a:p>
+            <a:pPr marL="800100" lvl="1" indent="-342900" fontAlgn="base">
+              <a:buFont typeface="+mj-lt"/>
+              <a:buAutoNum type="alphaLcPeriod"/>
+            </a:pPr>
+            <a:r>
+              <a:rPr lang="en-US" dirty="0">
+                <a:solidFill>
+                  <a:schemeClr val="bg1"/>
+                </a:solidFill>
+              </a:rPr>
+              <a:t>Histogram comparing Funding by year can (overlaid histogram to compare east coast vs west coast) </a:t>
+            </a:r>
+          </a:p>
+          <a:p>
+            <a:pPr marL="800100" lvl="1" indent="-342900" fontAlgn="base">
+              <a:buFont typeface="+mj-lt"/>
+              <a:buAutoNum type="alphaLcPeriod"/>
+            </a:pPr>
+            <a:r>
+              <a:rPr lang="en-US" dirty="0">
+                <a:solidFill>
+                  <a:schemeClr val="bg1"/>
+                </a:solidFill>
+              </a:rPr>
+              <a:t>Scatter plot: Investments (x=# companies, y=total $ amount), bubble size=total investment per investor</a:t>
+            </a:r>
+          </a:p>
+          <a:p>
+            <a:pPr marL="800100" lvl="1" indent="-342900" fontAlgn="base">
+              <a:buFont typeface="+mj-lt"/>
+              <a:buAutoNum type="alphaLcPeriod"/>
+            </a:pPr>
+            <a:r>
+              <a:rPr lang="en-US" dirty="0">
+                <a:solidFill>
+                  <a:schemeClr val="bg1"/>
+                </a:solidFill>
+              </a:rPr>
+              <a:t>Show Status of company - average of success vs failure, relationship of funding and status</a:t>
+            </a:r>
+          </a:p>
+          <a:p>
+            <a:pPr marL="800100" lvl="1" indent="-342900" fontAlgn="base">
+              <a:buFont typeface="+mj-lt"/>
+              <a:buAutoNum type="alphaLcPeriod"/>
+            </a:pPr>
+            <a:r>
+              <a:rPr lang="en-US" dirty="0">
+                <a:solidFill>
+                  <a:schemeClr val="bg1"/>
+                </a:solidFill>
+              </a:rPr>
+              <a:t>Scatter plot: Acquirer data set (x=# of acquisitions, y=$ total acquisition cost, color for categories)</a:t>
+            </a:r>
+          </a:p>
+          <a:p>
+            <a:pPr marL="800100" lvl="1" indent="-342900" fontAlgn="base">
+              <a:buFont typeface="+mj-lt"/>
+              <a:buAutoNum type="alphaLcPeriod"/>
+            </a:pPr>
+            <a:r>
+              <a:rPr lang="en-US" dirty="0">
+                <a:solidFill>
+                  <a:schemeClr val="bg1"/>
+                </a:solidFill>
+              </a:rPr>
+              <a:t>Status vs. Category </a:t>
+            </a:r>
+          </a:p>
+          <a:p>
+            <a:pPr marL="800100" lvl="1" indent="-342900" fontAlgn="base">
+              <a:buFont typeface="+mj-lt"/>
+              <a:buAutoNum type="alphaLcPeriod"/>
+            </a:pPr>
+            <a:r>
+              <a:rPr lang="en-US" dirty="0">
+                <a:solidFill>
+                  <a:schemeClr val="bg1"/>
+                </a:solidFill>
+              </a:rPr>
+              <a:t>Table with summary of dataset for appendix/intro slide</a:t>
+            </a:r>
+          </a:p>
+        </p:txBody>
+      </p:sp>
+    </p:spTree>
+    <p:extLst>
+      <p:ext uri="{BB962C8B-B14F-4D97-AF65-F5344CB8AC3E}">
+        <p14:creationId xmlns:p14="http://schemas.microsoft.com/office/powerpoint/2010/main" val="3405044072"/>
+      </p:ext>
+    </p:extLst>
+  </p:cSld>
+  <p:clrMapOvr>
+    <a:masterClrMapping/>
+  </p:clrMapOvr>
+</p:sld>
+</file>
+
+<file path=ppt/slides/slide4.xml><?xml version="1.0" encoding="utf-8"?>
+<p:sld xmlns:a="http://schemas.openxmlformats.org/drawingml/2006/main" xmlns:r="http://schemas.openxmlformats.org/officeDocument/2006/relationships" xmlns:p="http://schemas.openxmlformats.org/presentationml/2006/main">
+  <p:cSld>
+    <p:spTree>
+      <p:nvGrpSpPr>
+        <p:cNvPr id="1" name=""/>
+        <p:cNvGrpSpPr/>
+        <p:nvPr/>
+      </p:nvGrpSpPr>
+      <p:grpSpPr>
+        <a:xfrm>
+          <a:off x="0" y="0"/>
+          <a:ext cx="0" cy="0"/>
+          <a:chOff x="0" y="0"/>
+          <a:chExt cx="0" cy="0"/>
+        </a:xfrm>
+      </p:grpSpPr>
+      <p:sp>
+        <p:nvSpPr>
           <p:cNvPr id="24" name="TextBox 23"/>
           <p:cNvSpPr txBox="1"/>
           <p:nvPr/>
@@ -10844,13 +11126,642 @@
       </p:grpSp>
       <p:sp>
         <p:nvSpPr>
-          <p:cNvPr id="13" name="Oval 12"/>
-          <p:cNvSpPr/>
+          <p:cNvPr id="36" name="TextBox 35"/>
+          <p:cNvSpPr txBox="1"/>
           <p:nvPr/>
         </p:nvSpPr>
         <p:spPr>
           <a:xfrm>
-            <a:off x="209034" y="2229025"/>
+            <a:off x="1288756" y="5181600"/>
+            <a:ext cx="1291764" cy="276999"/>
+          </a:xfrm>
+          <a:prstGeom prst="rect">
+            <a:avLst/>
+          </a:prstGeom>
+          <a:noFill/>
+        </p:spPr>
+        <p:txBody>
+          <a:bodyPr wrap="none" rtlCol="0">
+            <a:spAutoFit/>
+          </a:bodyPr>
+          <a:lstStyle/>
+          <a:p>
+            <a:pPr algn="ctr"/>
+            <a:r>
+              <a:rPr lang="en-US" sz="1200" b="1" dirty="0">
+                <a:solidFill>
+                  <a:schemeClr val="accent1"/>
+                </a:solidFill>
+                <a:latin typeface="Lato Black" panose="020F0502020204030203" pitchFamily="34" charset="0"/>
+                <a:ea typeface="Lato Black" panose="020F0502020204030203" pitchFamily="34" charset="0"/>
+                <a:cs typeface="Lato Black" panose="020F0502020204030203" pitchFamily="34" charset="0"/>
+              </a:rPr>
+              <a:t>Group Member</a:t>
+            </a:r>
+          </a:p>
+        </p:txBody>
+      </p:sp>
+      <p:cxnSp>
+        <p:nvCxnSpPr>
+          <p:cNvPr id="38" name="Straight Connector 37">
+            <a:extLst>
+              <a:ext uri="{C183D7F6-B498-43B3-948B-1728B52AA6E4}">
+                <adec:decorative xmlns:adec="http://schemas.microsoft.com/office/drawing/2017/decorative" val="1"/>
+              </a:ext>
+            </a:extLst>
+          </p:cNvPr>
+          <p:cNvCxnSpPr/>
+          <p:nvPr/>
+        </p:nvCxnSpPr>
+        <p:spPr>
+          <a:xfrm>
+            <a:off x="1124681" y="5455919"/>
+            <a:ext cx="1619915" cy="0"/>
+          </a:xfrm>
+          <a:prstGeom prst="line">
+            <a:avLst/>
+          </a:prstGeom>
+        </p:spPr>
+        <p:style>
+          <a:lnRef idx="1">
+            <a:schemeClr val="accent1"/>
+          </a:lnRef>
+          <a:fillRef idx="0">
+            <a:schemeClr val="accent1"/>
+          </a:fillRef>
+          <a:effectRef idx="0">
+            <a:schemeClr val="accent1"/>
+          </a:effectRef>
+          <a:fontRef idx="minor">
+            <a:schemeClr val="tx1"/>
+          </a:fontRef>
+        </p:style>
+      </p:cxnSp>
+      <p:sp>
+        <p:nvSpPr>
+          <p:cNvPr id="37" name="TextBox 36"/>
+          <p:cNvSpPr txBox="1"/>
+          <p:nvPr/>
+        </p:nvSpPr>
+        <p:spPr>
+          <a:xfrm>
+            <a:off x="1145800" y="5430633"/>
+            <a:ext cx="1577676" cy="338554"/>
+          </a:xfrm>
+          <a:prstGeom prst="rect">
+            <a:avLst/>
+          </a:prstGeom>
+          <a:noFill/>
+        </p:spPr>
+        <p:txBody>
+          <a:bodyPr wrap="none" rtlCol="0">
+            <a:spAutoFit/>
+          </a:bodyPr>
+          <a:lstStyle/>
+          <a:p>
+            <a:pPr algn="ctr"/>
+            <a:r>
+              <a:rPr lang="en-US" sz="1600" b="1" dirty="0">
+                <a:solidFill>
+                  <a:schemeClr val="tx2"/>
+                </a:solidFill>
+                <a:latin typeface="Lato" panose="020F0502020204030203" pitchFamily="34" charset="0"/>
+                <a:ea typeface="Lato" panose="020F0502020204030203" pitchFamily="34" charset="0"/>
+                <a:cs typeface="Lato" panose="020F0502020204030203" pitchFamily="34" charset="0"/>
+              </a:rPr>
+              <a:t>Charles </a:t>
+            </a:r>
+            <a:r>
+              <a:rPr lang="en-US" sz="1600" b="1" dirty="0" err="1">
+                <a:solidFill>
+                  <a:schemeClr val="tx2"/>
+                </a:solidFill>
+                <a:latin typeface="Lato" panose="020F0502020204030203" pitchFamily="34" charset="0"/>
+                <a:ea typeface="Lato" panose="020F0502020204030203" pitchFamily="34" charset="0"/>
+                <a:cs typeface="Lato" panose="020F0502020204030203" pitchFamily="34" charset="0"/>
+              </a:rPr>
+              <a:t>Biggar</a:t>
+            </a:r>
+            <a:endParaRPr lang="en-US" sz="1600" b="1" dirty="0">
+              <a:solidFill>
+                <a:schemeClr val="tx2"/>
+              </a:solidFill>
+              <a:latin typeface="Lato" panose="020F0502020204030203" pitchFamily="34" charset="0"/>
+              <a:ea typeface="Lato" panose="020F0502020204030203" pitchFamily="34" charset="0"/>
+              <a:cs typeface="Lato" panose="020F0502020204030203" pitchFamily="34" charset="0"/>
+            </a:endParaRPr>
+          </a:p>
+        </p:txBody>
+      </p:sp>
+      <p:sp>
+        <p:nvSpPr>
+          <p:cNvPr id="40" name="TextBox 39"/>
+          <p:cNvSpPr txBox="1"/>
+          <p:nvPr/>
+        </p:nvSpPr>
+        <p:spPr>
+          <a:xfrm>
+            <a:off x="4138094" y="5181600"/>
+            <a:ext cx="1291764" cy="276999"/>
+          </a:xfrm>
+          <a:prstGeom prst="rect">
+            <a:avLst/>
+          </a:prstGeom>
+          <a:noFill/>
+        </p:spPr>
+        <p:txBody>
+          <a:bodyPr wrap="none" rtlCol="0">
+            <a:spAutoFit/>
+          </a:bodyPr>
+          <a:lstStyle/>
+          <a:p>
+            <a:pPr algn="ctr"/>
+            <a:r>
+              <a:rPr lang="en-US" sz="1200" b="1" dirty="0">
+                <a:solidFill>
+                  <a:schemeClr val="accent1"/>
+                </a:solidFill>
+                <a:latin typeface="Lato Black" panose="020F0502020204030203" pitchFamily="34" charset="0"/>
+                <a:ea typeface="Lato Black" panose="020F0502020204030203" pitchFamily="34" charset="0"/>
+                <a:cs typeface="Lato Black" panose="020F0502020204030203" pitchFamily="34" charset="0"/>
+              </a:rPr>
+              <a:t>Group Member</a:t>
+            </a:r>
+          </a:p>
+        </p:txBody>
+      </p:sp>
+      <p:cxnSp>
+        <p:nvCxnSpPr>
+          <p:cNvPr id="42" name="Straight Connector 41">
+            <a:extLst>
+              <a:ext uri="{C183D7F6-B498-43B3-948B-1728B52AA6E4}">
+                <adec:decorative xmlns:adec="http://schemas.microsoft.com/office/drawing/2017/decorative" val="1"/>
+              </a:ext>
+            </a:extLst>
+          </p:cNvPr>
+          <p:cNvCxnSpPr/>
+          <p:nvPr/>
+        </p:nvCxnSpPr>
+        <p:spPr>
+          <a:xfrm>
+            <a:off x="3974019" y="5455919"/>
+            <a:ext cx="1619915" cy="0"/>
+          </a:xfrm>
+          <a:prstGeom prst="line">
+            <a:avLst/>
+          </a:prstGeom>
+        </p:spPr>
+        <p:style>
+          <a:lnRef idx="1">
+            <a:schemeClr val="accent1"/>
+          </a:lnRef>
+          <a:fillRef idx="0">
+            <a:schemeClr val="accent1"/>
+          </a:fillRef>
+          <a:effectRef idx="0">
+            <a:schemeClr val="accent1"/>
+          </a:effectRef>
+          <a:fontRef idx="minor">
+            <a:schemeClr val="tx1"/>
+          </a:fontRef>
+        </p:style>
+      </p:cxnSp>
+      <p:sp>
+        <p:nvSpPr>
+          <p:cNvPr id="41" name="TextBox 40"/>
+          <p:cNvSpPr txBox="1"/>
+          <p:nvPr/>
+        </p:nvSpPr>
+        <p:spPr>
+          <a:xfrm>
+            <a:off x="4100936" y="5430633"/>
+            <a:ext cx="1366080" cy="338554"/>
+          </a:xfrm>
+          <a:prstGeom prst="rect">
+            <a:avLst/>
+          </a:prstGeom>
+          <a:noFill/>
+        </p:spPr>
+        <p:txBody>
+          <a:bodyPr wrap="none" rtlCol="0">
+            <a:spAutoFit/>
+          </a:bodyPr>
+          <a:lstStyle/>
+          <a:p>
+            <a:pPr algn="ctr"/>
+            <a:r>
+              <a:rPr lang="en-US" sz="1600" b="1" dirty="0">
+                <a:solidFill>
+                  <a:schemeClr val="tx2"/>
+                </a:solidFill>
+                <a:latin typeface="Lato" panose="020F0502020204030203" pitchFamily="34" charset="0"/>
+                <a:ea typeface="Lato" panose="020F0502020204030203" pitchFamily="34" charset="0"/>
+                <a:cs typeface="Lato" panose="020F0502020204030203" pitchFamily="34" charset="0"/>
+              </a:rPr>
+              <a:t>Don </a:t>
+            </a:r>
+            <a:r>
+              <a:rPr lang="en-US" sz="1600" b="1" dirty="0" err="1">
+                <a:solidFill>
+                  <a:schemeClr val="tx2"/>
+                </a:solidFill>
+                <a:latin typeface="Lato" panose="020F0502020204030203" pitchFamily="34" charset="0"/>
+                <a:ea typeface="Lato" panose="020F0502020204030203" pitchFamily="34" charset="0"/>
+                <a:cs typeface="Lato" panose="020F0502020204030203" pitchFamily="34" charset="0"/>
+              </a:rPr>
+              <a:t>Leshem</a:t>
+            </a:r>
+            <a:endParaRPr lang="en-US" sz="1600" b="1" dirty="0">
+              <a:solidFill>
+                <a:schemeClr val="tx2"/>
+              </a:solidFill>
+              <a:latin typeface="Lato" panose="020F0502020204030203" pitchFamily="34" charset="0"/>
+              <a:ea typeface="Lato" panose="020F0502020204030203" pitchFamily="34" charset="0"/>
+              <a:cs typeface="Lato" panose="020F0502020204030203" pitchFamily="34" charset="0"/>
+            </a:endParaRPr>
+          </a:p>
+        </p:txBody>
+      </p:sp>
+      <p:sp>
+        <p:nvSpPr>
+          <p:cNvPr id="2" name="Title 1" hidden="1">
+            <a:extLst>
+              <a:ext uri="{FF2B5EF4-FFF2-40B4-BE49-F238E27FC236}">
+                <a16:creationId xmlns:a16="http://schemas.microsoft.com/office/drawing/2014/main" id="{049816CA-D25A-4DA3-944B-4F935E1EC6A5}"/>
+              </a:ext>
+            </a:extLst>
+          </p:cNvPr>
+          <p:cNvSpPr>
+            <a:spLocks noGrp="1"/>
+          </p:cNvSpPr>
+          <p:nvPr>
+            <p:ph type="title"/>
+          </p:nvPr>
+        </p:nvSpPr>
+        <p:spPr/>
+        <p:txBody>
+          <a:bodyPr/>
+          <a:lstStyle/>
+          <a:p>
+            <a:r>
+              <a:rPr lang="en-US" dirty="0"/>
+              <a:t>Slide 10</a:t>
+            </a:r>
+          </a:p>
+        </p:txBody>
+      </p:sp>
+      <p:sp>
+        <p:nvSpPr>
+          <p:cNvPr id="34" name="TextBox 33">
+            <a:extLst>
+              <a:ext uri="{FF2B5EF4-FFF2-40B4-BE49-F238E27FC236}">
+                <a16:creationId xmlns:a16="http://schemas.microsoft.com/office/drawing/2014/main" id="{72D3F340-BF1F-4FC5-9737-A64F715762E6}"/>
+              </a:ext>
+            </a:extLst>
+          </p:cNvPr>
+          <p:cNvSpPr txBox="1"/>
+          <p:nvPr/>
+        </p:nvSpPr>
+        <p:spPr>
+          <a:xfrm>
+            <a:off x="7075254" y="5181600"/>
+            <a:ext cx="1291764" cy="276999"/>
+          </a:xfrm>
+          <a:prstGeom prst="rect">
+            <a:avLst/>
+          </a:prstGeom>
+          <a:noFill/>
+        </p:spPr>
+        <p:txBody>
+          <a:bodyPr wrap="none" rtlCol="0">
+            <a:spAutoFit/>
+          </a:bodyPr>
+          <a:lstStyle/>
+          <a:p>
+            <a:pPr algn="ctr"/>
+            <a:r>
+              <a:rPr lang="en-US" sz="1200" b="1" dirty="0">
+                <a:solidFill>
+                  <a:schemeClr val="accent1"/>
+                </a:solidFill>
+                <a:latin typeface="Lato Black" panose="020F0502020204030203" pitchFamily="34" charset="0"/>
+                <a:ea typeface="Lato Black" panose="020F0502020204030203" pitchFamily="34" charset="0"/>
+                <a:cs typeface="Lato Black" panose="020F0502020204030203" pitchFamily="34" charset="0"/>
+              </a:rPr>
+              <a:t>Group Member</a:t>
+            </a:r>
+          </a:p>
+        </p:txBody>
+      </p:sp>
+      <p:cxnSp>
+        <p:nvCxnSpPr>
+          <p:cNvPr id="35" name="Straight Connector 34">
+            <a:extLst>
+              <a:ext uri="{FF2B5EF4-FFF2-40B4-BE49-F238E27FC236}">
+                <a16:creationId xmlns:a16="http://schemas.microsoft.com/office/drawing/2014/main" id="{ECA6E5BB-4AC5-41AA-A278-4DCD975C6B60}"/>
+              </a:ext>
+              <a:ext uri="{C183D7F6-B498-43B3-948B-1728B52AA6E4}">
+                <adec:decorative xmlns:adec="http://schemas.microsoft.com/office/drawing/2017/decorative" val="1"/>
+              </a:ext>
+            </a:extLst>
+          </p:cNvPr>
+          <p:cNvCxnSpPr/>
+          <p:nvPr/>
+        </p:nvCxnSpPr>
+        <p:spPr>
+          <a:xfrm>
+            <a:off x="6911179" y="5455919"/>
+            <a:ext cx="1619915" cy="0"/>
+          </a:xfrm>
+          <a:prstGeom prst="line">
+            <a:avLst/>
+          </a:prstGeom>
+        </p:spPr>
+        <p:style>
+          <a:lnRef idx="1">
+            <a:schemeClr val="accent1"/>
+          </a:lnRef>
+          <a:fillRef idx="0">
+            <a:schemeClr val="accent1"/>
+          </a:fillRef>
+          <a:effectRef idx="0">
+            <a:schemeClr val="accent1"/>
+          </a:effectRef>
+          <a:fontRef idx="minor">
+            <a:schemeClr val="tx1"/>
+          </a:fontRef>
+        </p:style>
+      </p:cxnSp>
+      <p:sp>
+        <p:nvSpPr>
+          <p:cNvPr id="39" name="TextBox 38">
+            <a:extLst>
+              <a:ext uri="{FF2B5EF4-FFF2-40B4-BE49-F238E27FC236}">
+                <a16:creationId xmlns:a16="http://schemas.microsoft.com/office/drawing/2014/main" id="{CD0BC9E5-1148-4484-96E0-FB0D901E1585}"/>
+              </a:ext>
+            </a:extLst>
+          </p:cNvPr>
+          <p:cNvSpPr txBox="1"/>
+          <p:nvPr/>
+        </p:nvSpPr>
+        <p:spPr>
+          <a:xfrm>
+            <a:off x="7058551" y="5430633"/>
+            <a:ext cx="1325171" cy="338554"/>
+          </a:xfrm>
+          <a:prstGeom prst="rect">
+            <a:avLst/>
+          </a:prstGeom>
+          <a:noFill/>
+        </p:spPr>
+        <p:txBody>
+          <a:bodyPr wrap="none" rtlCol="0">
+            <a:spAutoFit/>
+          </a:bodyPr>
+          <a:lstStyle/>
+          <a:p>
+            <a:pPr algn="ctr"/>
+            <a:r>
+              <a:rPr lang="en-US" sz="1600" b="1" dirty="0">
+                <a:solidFill>
+                  <a:schemeClr val="tx2"/>
+                </a:solidFill>
+                <a:latin typeface="Lato" panose="020F0502020204030203" pitchFamily="34" charset="0"/>
+                <a:ea typeface="Lato" panose="020F0502020204030203" pitchFamily="34" charset="0"/>
+                <a:cs typeface="Lato" panose="020F0502020204030203" pitchFamily="34" charset="0"/>
+              </a:rPr>
+              <a:t>Drew Seelig</a:t>
+            </a:r>
+          </a:p>
+        </p:txBody>
+      </p:sp>
+      <p:sp>
+        <p:nvSpPr>
+          <p:cNvPr id="46" name="TextBox 45">
+            <a:extLst>
+              <a:ext uri="{FF2B5EF4-FFF2-40B4-BE49-F238E27FC236}">
+                <a16:creationId xmlns:a16="http://schemas.microsoft.com/office/drawing/2014/main" id="{C830E957-36A4-42D7-A75D-E698EA5B57DF}"/>
+              </a:ext>
+            </a:extLst>
+          </p:cNvPr>
+          <p:cNvSpPr txBox="1"/>
+          <p:nvPr/>
+        </p:nvSpPr>
+        <p:spPr>
+          <a:xfrm>
+            <a:off x="10132148" y="5181600"/>
+            <a:ext cx="949876" cy="276999"/>
+          </a:xfrm>
+          <a:prstGeom prst="rect">
+            <a:avLst/>
+          </a:prstGeom>
+          <a:noFill/>
+        </p:spPr>
+        <p:txBody>
+          <a:bodyPr wrap="none" rtlCol="0">
+            <a:spAutoFit/>
+          </a:bodyPr>
+          <a:lstStyle/>
+          <a:p>
+            <a:pPr algn="ctr"/>
+            <a:r>
+              <a:rPr lang="en-US" sz="1200" b="1" dirty="0">
+                <a:solidFill>
+                  <a:schemeClr val="accent1"/>
+                </a:solidFill>
+                <a:latin typeface="Lato Black" panose="020F0502020204030203" pitchFamily="34" charset="0"/>
+                <a:ea typeface="Lato Black" panose="020F0502020204030203" pitchFamily="34" charset="0"/>
+                <a:cs typeface="Lato Black" panose="020F0502020204030203" pitchFamily="34" charset="0"/>
+              </a:rPr>
+              <a:t>Team Lead</a:t>
+            </a:r>
+          </a:p>
+        </p:txBody>
+      </p:sp>
+      <p:cxnSp>
+        <p:nvCxnSpPr>
+          <p:cNvPr id="47" name="Straight Connector 46">
+            <a:extLst>
+              <a:ext uri="{FF2B5EF4-FFF2-40B4-BE49-F238E27FC236}">
+                <a16:creationId xmlns:a16="http://schemas.microsoft.com/office/drawing/2014/main" id="{18431808-2743-42AE-8F3A-67EAB41896A2}"/>
+              </a:ext>
+              <a:ext uri="{C183D7F6-B498-43B3-948B-1728B52AA6E4}">
+                <adec:decorative xmlns:adec="http://schemas.microsoft.com/office/drawing/2017/decorative" val="1"/>
+              </a:ext>
+            </a:extLst>
+          </p:cNvPr>
+          <p:cNvCxnSpPr/>
+          <p:nvPr/>
+        </p:nvCxnSpPr>
+        <p:spPr>
+          <a:xfrm>
+            <a:off x="9797129" y="5455919"/>
+            <a:ext cx="1619915" cy="0"/>
+          </a:xfrm>
+          <a:prstGeom prst="line">
+            <a:avLst/>
+          </a:prstGeom>
+        </p:spPr>
+        <p:style>
+          <a:lnRef idx="1">
+            <a:schemeClr val="accent1"/>
+          </a:lnRef>
+          <a:fillRef idx="0">
+            <a:schemeClr val="accent1"/>
+          </a:fillRef>
+          <a:effectRef idx="0">
+            <a:schemeClr val="accent1"/>
+          </a:effectRef>
+          <a:fontRef idx="minor">
+            <a:schemeClr val="tx1"/>
+          </a:fontRef>
+        </p:style>
+      </p:cxnSp>
+      <p:sp>
+        <p:nvSpPr>
+          <p:cNvPr id="48" name="TextBox 47">
+            <a:extLst>
+              <a:ext uri="{FF2B5EF4-FFF2-40B4-BE49-F238E27FC236}">
+                <a16:creationId xmlns:a16="http://schemas.microsoft.com/office/drawing/2014/main" id="{E8FDA6B6-B815-4DB0-8C2C-076741F694FD}"/>
+              </a:ext>
+            </a:extLst>
+          </p:cNvPr>
+          <p:cNvSpPr txBox="1"/>
+          <p:nvPr/>
+        </p:nvSpPr>
+        <p:spPr>
+          <a:xfrm>
+            <a:off x="9908433" y="5430633"/>
+            <a:ext cx="1397306" cy="338554"/>
+          </a:xfrm>
+          <a:prstGeom prst="rect">
+            <a:avLst/>
+          </a:prstGeom>
+          <a:noFill/>
+        </p:spPr>
+        <p:txBody>
+          <a:bodyPr wrap="none" rtlCol="0">
+            <a:spAutoFit/>
+          </a:bodyPr>
+          <a:lstStyle/>
+          <a:p>
+            <a:pPr algn="ctr"/>
+            <a:r>
+              <a:rPr lang="en-US" sz="1600" b="1" dirty="0">
+                <a:solidFill>
+                  <a:schemeClr val="tx2"/>
+                </a:solidFill>
+                <a:latin typeface="Lato" panose="020F0502020204030203" pitchFamily="34" charset="0"/>
+                <a:ea typeface="Lato" panose="020F0502020204030203" pitchFamily="34" charset="0"/>
+                <a:cs typeface="Lato" panose="020F0502020204030203" pitchFamily="34" charset="0"/>
+              </a:rPr>
+              <a:t>Omar </a:t>
+            </a:r>
+            <a:r>
+              <a:rPr lang="en-US" sz="1600" b="1" dirty="0" err="1">
+                <a:solidFill>
+                  <a:schemeClr val="tx2"/>
+                </a:solidFill>
+                <a:latin typeface="Lato" panose="020F0502020204030203" pitchFamily="34" charset="0"/>
+                <a:ea typeface="Lato" panose="020F0502020204030203" pitchFamily="34" charset="0"/>
+                <a:cs typeface="Lato" panose="020F0502020204030203" pitchFamily="34" charset="0"/>
+              </a:rPr>
+              <a:t>Eltorai</a:t>
+            </a:r>
+            <a:endParaRPr lang="en-US" sz="1600" b="1" dirty="0">
+              <a:solidFill>
+                <a:schemeClr val="tx2"/>
+              </a:solidFill>
+              <a:latin typeface="Lato" panose="020F0502020204030203" pitchFamily="34" charset="0"/>
+              <a:ea typeface="Lato" panose="020F0502020204030203" pitchFamily="34" charset="0"/>
+              <a:cs typeface="Lato" panose="020F0502020204030203" pitchFamily="34" charset="0"/>
+            </a:endParaRPr>
+          </a:p>
+        </p:txBody>
+      </p:sp>
+      <p:pic>
+        <p:nvPicPr>
+          <p:cNvPr id="7" name="Picture 6">
+            <a:extLst>
+              <a:ext uri="{FF2B5EF4-FFF2-40B4-BE49-F238E27FC236}">
+                <a16:creationId xmlns:a16="http://schemas.microsoft.com/office/drawing/2014/main" id="{81501F8C-7F79-4BA4-91CD-B8C38E6E015C}"/>
+              </a:ext>
+            </a:extLst>
+          </p:cNvPr>
+          <p:cNvPicPr>
+            <a:picLocks noChangeAspect="1"/>
+          </p:cNvPicPr>
+          <p:nvPr/>
+        </p:nvPicPr>
+        <p:blipFill>
+          <a:blip r:embed="rId3"/>
+          <a:stretch>
+            <a:fillRect/>
+          </a:stretch>
+        </p:blipFill>
+        <p:spPr>
+          <a:xfrm>
+            <a:off x="6643082" y="2261083"/>
+            <a:ext cx="2156108" cy="2201236"/>
+          </a:xfrm>
+          <a:prstGeom prst="ellipse">
+            <a:avLst/>
+          </a:prstGeom>
+          <a:ln w="190500" cap="rnd">
+            <a:solidFill>
+              <a:schemeClr val="accent1"/>
+            </a:solidFill>
+            <a:prstDash val="solid"/>
+          </a:ln>
+          <a:effectLst>
+            <a:outerShdw blurRad="127000" algn="bl" rotWithShape="0">
+              <a:srgbClr val="000000"/>
+            </a:outerShdw>
+          </a:effectLst>
+          <a:scene3d>
+            <a:camera prst="perspectiveFront" fov="5400000"/>
+            <a:lightRig rig="threePt" dir="t">
+              <a:rot lat="0" lon="0" rev="19200000"/>
+            </a:lightRig>
+          </a:scene3d>
+          <a:sp3d extrusionH="25400">
+            <a:bevelT w="304800" h="152400" prst="hardEdge"/>
+            <a:extrusionClr>
+              <a:srgbClr val="000000"/>
+            </a:extrusionClr>
+          </a:sp3d>
+        </p:spPr>
+      </p:pic>
+      <p:pic>
+        <p:nvPicPr>
+          <p:cNvPr id="1026" name="Picture 2" descr="Don Leshem">
+            <a:extLst>
+              <a:ext uri="{FF2B5EF4-FFF2-40B4-BE49-F238E27FC236}">
+                <a16:creationId xmlns:a16="http://schemas.microsoft.com/office/drawing/2014/main" id="{3E6FD32C-D292-4E89-B73A-A9B2577CFC04}"/>
+              </a:ext>
+            </a:extLst>
+          </p:cNvPr>
+          <p:cNvPicPr>
+            <a:picLocks noChangeAspect="1" noChangeArrowheads="1"/>
+          </p:cNvPicPr>
+          <p:nvPr/>
+        </p:nvPicPr>
+        <p:blipFill>
+          <a:blip r:embed="rId4">
+            <a:extLst>
+              <a:ext uri="{28A0092B-C50C-407E-A947-70E740481C1C}">
+                <a14:useLocalDpi xmlns:a14="http://schemas.microsoft.com/office/drawing/2010/main" val="0"/>
+              </a:ext>
+            </a:extLst>
+          </a:blip>
+          <a:srcRect/>
+          <a:stretch>
+            <a:fillRect/>
+          </a:stretch>
+        </p:blipFill>
+        <p:spPr bwMode="auto">
+          <a:xfrm>
+            <a:off x="3705922" y="2283647"/>
             <a:ext cx="2156108" cy="2156108"/>
           </a:xfrm>
           <a:prstGeom prst="ellipse">
@@ -10889,755 +11800,13 @@
             </a:ext>
           </a:extLst>
         </p:spPr>
-        <p:style>
-          <a:lnRef idx="2">
-            <a:schemeClr val="accent1">
-              <a:shade val="50000"/>
-            </a:schemeClr>
-          </a:lnRef>
-          <a:fillRef idx="1">
-            <a:schemeClr val="accent1"/>
-          </a:fillRef>
-          <a:effectRef idx="0">
-            <a:schemeClr val="accent1"/>
-          </a:effectRef>
-          <a:fontRef idx="minor">
-            <a:schemeClr val="lt1"/>
-          </a:fontRef>
-        </p:style>
-        <p:txBody>
-          <a:bodyPr rtlCol="0" anchor="ctr"/>
-          <a:lstStyle/>
-          <a:p>
-            <a:pPr algn="ctr"/>
-            <a:endParaRPr lang="en-US" dirty="0"/>
-          </a:p>
-        </p:txBody>
-      </p:sp>
-      <p:sp>
-        <p:nvSpPr>
-          <p:cNvPr id="9" name="TextBox 8"/>
-          <p:cNvSpPr txBox="1"/>
-          <p:nvPr/>
-        </p:nvSpPr>
-        <p:spPr>
-          <a:xfrm>
-            <a:off x="631747" y="5181600"/>
-            <a:ext cx="1291765" cy="276999"/>
-          </a:xfrm>
-          <a:prstGeom prst="rect">
-            <a:avLst/>
-          </a:prstGeom>
-          <a:noFill/>
-        </p:spPr>
-        <p:txBody>
-          <a:bodyPr wrap="none" rtlCol="0">
-            <a:spAutoFit/>
-          </a:bodyPr>
-          <a:lstStyle/>
-          <a:p>
-            <a:pPr algn="ctr"/>
-            <a:r>
-              <a:rPr lang="en-US" sz="1200" b="1" dirty="0">
-                <a:solidFill>
-                  <a:schemeClr val="accent1"/>
-                </a:solidFill>
-                <a:latin typeface="Lato Black" panose="020F0502020204030203" pitchFamily="34" charset="0"/>
-                <a:ea typeface="Lato Black" panose="020F0502020204030203" pitchFamily="34" charset="0"/>
-                <a:cs typeface="Lato Black" panose="020F0502020204030203" pitchFamily="34" charset="0"/>
-              </a:rPr>
-              <a:t>Group Member</a:t>
-            </a:r>
-          </a:p>
-        </p:txBody>
-      </p:sp>
-      <p:cxnSp>
-        <p:nvCxnSpPr>
-          <p:cNvPr id="3" name="Straight Connector 2">
-            <a:extLst>
-              <a:ext uri="{C183D7F6-B498-43B3-948B-1728B52AA6E4}">
-                <adec:decorative xmlns:adec="http://schemas.microsoft.com/office/drawing/2017/decorative" val="1"/>
-              </a:ext>
-            </a:extLst>
-          </p:cNvPr>
-          <p:cNvCxnSpPr/>
-          <p:nvPr/>
-        </p:nvCxnSpPr>
-        <p:spPr>
-          <a:xfrm>
-            <a:off x="477131" y="5455919"/>
-            <a:ext cx="1619915" cy="0"/>
-          </a:xfrm>
-          <a:prstGeom prst="line">
-            <a:avLst/>
-          </a:prstGeom>
-        </p:spPr>
-        <p:style>
-          <a:lnRef idx="1">
-            <a:schemeClr val="accent1"/>
-          </a:lnRef>
-          <a:fillRef idx="0">
-            <a:schemeClr val="accent1"/>
-          </a:fillRef>
-          <a:effectRef idx="0">
-            <a:schemeClr val="accent1"/>
-          </a:effectRef>
-          <a:fontRef idx="minor">
-            <a:schemeClr val="tx1"/>
-          </a:fontRef>
-        </p:style>
-      </p:cxnSp>
-      <p:sp>
-        <p:nvSpPr>
-          <p:cNvPr id="23" name="TextBox 22"/>
-          <p:cNvSpPr txBox="1"/>
-          <p:nvPr/>
-        </p:nvSpPr>
-        <p:spPr>
-          <a:xfrm>
-            <a:off x="293455" y="5430633"/>
-            <a:ext cx="1987275" cy="338554"/>
-          </a:xfrm>
-          <a:prstGeom prst="rect">
-            <a:avLst/>
-          </a:prstGeom>
-          <a:noFill/>
-        </p:spPr>
-        <p:txBody>
-          <a:bodyPr wrap="none" rtlCol="0">
-            <a:spAutoFit/>
-          </a:bodyPr>
-          <a:lstStyle/>
-          <a:p>
-            <a:pPr algn="ctr"/>
-            <a:r>
-              <a:rPr lang="en-US" sz="1600" b="1" dirty="0">
-                <a:solidFill>
-                  <a:schemeClr val="tx2"/>
-                </a:solidFill>
-                <a:latin typeface="Lato" panose="020F0502020204030203" pitchFamily="34" charset="0"/>
-                <a:ea typeface="Lato" panose="020F0502020204030203" pitchFamily="34" charset="0"/>
-                <a:cs typeface="Lato" panose="020F0502020204030203" pitchFamily="34" charset="0"/>
-              </a:rPr>
-              <a:t>Anshuman Krishna</a:t>
-            </a:r>
-          </a:p>
-        </p:txBody>
-      </p:sp>
-      <p:sp>
-        <p:nvSpPr>
-          <p:cNvPr id="36" name="TextBox 35"/>
-          <p:cNvSpPr txBox="1"/>
-          <p:nvPr/>
-        </p:nvSpPr>
-        <p:spPr>
-          <a:xfrm>
-            <a:off x="3107554" y="5181600"/>
-            <a:ext cx="1291764" cy="276999"/>
-          </a:xfrm>
-          <a:prstGeom prst="rect">
-            <a:avLst/>
-          </a:prstGeom>
-          <a:noFill/>
-        </p:spPr>
-        <p:txBody>
-          <a:bodyPr wrap="none" rtlCol="0">
-            <a:spAutoFit/>
-          </a:bodyPr>
-          <a:lstStyle/>
-          <a:p>
-            <a:pPr algn="ctr"/>
-            <a:r>
-              <a:rPr lang="en-US" sz="1200" b="1" dirty="0">
-                <a:solidFill>
-                  <a:schemeClr val="accent1"/>
-                </a:solidFill>
-                <a:latin typeface="Lato Black" panose="020F0502020204030203" pitchFamily="34" charset="0"/>
-                <a:ea typeface="Lato Black" panose="020F0502020204030203" pitchFamily="34" charset="0"/>
-                <a:cs typeface="Lato Black" panose="020F0502020204030203" pitchFamily="34" charset="0"/>
-              </a:rPr>
-              <a:t>Group Member</a:t>
-            </a:r>
-          </a:p>
-        </p:txBody>
-      </p:sp>
-      <p:cxnSp>
-        <p:nvCxnSpPr>
-          <p:cNvPr id="38" name="Straight Connector 37">
-            <a:extLst>
-              <a:ext uri="{C183D7F6-B498-43B3-948B-1728B52AA6E4}">
-                <adec:decorative xmlns:adec="http://schemas.microsoft.com/office/drawing/2017/decorative" val="1"/>
-              </a:ext>
-            </a:extLst>
-          </p:cNvPr>
-          <p:cNvCxnSpPr/>
-          <p:nvPr/>
-        </p:nvCxnSpPr>
-        <p:spPr>
-          <a:xfrm>
-            <a:off x="2952938" y="5455919"/>
-            <a:ext cx="1619915" cy="0"/>
-          </a:xfrm>
-          <a:prstGeom prst="line">
-            <a:avLst/>
-          </a:prstGeom>
-        </p:spPr>
-        <p:style>
-          <a:lnRef idx="1">
-            <a:schemeClr val="accent1"/>
-          </a:lnRef>
-          <a:fillRef idx="0">
-            <a:schemeClr val="accent1"/>
-          </a:fillRef>
-          <a:effectRef idx="0">
-            <a:schemeClr val="accent1"/>
-          </a:effectRef>
-          <a:fontRef idx="minor">
-            <a:schemeClr val="tx1"/>
-          </a:fontRef>
-        </p:style>
-      </p:cxnSp>
-      <p:sp>
-        <p:nvSpPr>
-          <p:cNvPr id="37" name="TextBox 36"/>
-          <p:cNvSpPr txBox="1"/>
-          <p:nvPr/>
-        </p:nvSpPr>
-        <p:spPr>
-          <a:xfrm>
-            <a:off x="2974061" y="5430633"/>
-            <a:ext cx="1577676" cy="338554"/>
-          </a:xfrm>
-          <a:prstGeom prst="rect">
-            <a:avLst/>
-          </a:prstGeom>
-          <a:noFill/>
-        </p:spPr>
-        <p:txBody>
-          <a:bodyPr wrap="none" rtlCol="0">
-            <a:spAutoFit/>
-          </a:bodyPr>
-          <a:lstStyle/>
-          <a:p>
-            <a:pPr algn="ctr"/>
-            <a:r>
-              <a:rPr lang="en-US" sz="1600" b="1" dirty="0">
-                <a:solidFill>
-                  <a:schemeClr val="tx2"/>
-                </a:solidFill>
-                <a:latin typeface="Lato" panose="020F0502020204030203" pitchFamily="34" charset="0"/>
-                <a:ea typeface="Lato" panose="020F0502020204030203" pitchFamily="34" charset="0"/>
-                <a:cs typeface="Lato" panose="020F0502020204030203" pitchFamily="34" charset="0"/>
-              </a:rPr>
-              <a:t>Charles </a:t>
-            </a:r>
-            <a:r>
-              <a:rPr lang="en-US" sz="1600" b="1" dirty="0" err="1">
-                <a:solidFill>
-                  <a:schemeClr val="tx2"/>
-                </a:solidFill>
-                <a:latin typeface="Lato" panose="020F0502020204030203" pitchFamily="34" charset="0"/>
-                <a:ea typeface="Lato" panose="020F0502020204030203" pitchFamily="34" charset="0"/>
-                <a:cs typeface="Lato" panose="020F0502020204030203" pitchFamily="34" charset="0"/>
-              </a:rPr>
-              <a:t>Biggar</a:t>
-            </a:r>
-            <a:endParaRPr lang="en-US" sz="1600" b="1" dirty="0">
-              <a:solidFill>
-                <a:schemeClr val="tx2"/>
-              </a:solidFill>
-              <a:latin typeface="Lato" panose="020F0502020204030203" pitchFamily="34" charset="0"/>
-              <a:ea typeface="Lato" panose="020F0502020204030203" pitchFamily="34" charset="0"/>
-              <a:cs typeface="Lato" panose="020F0502020204030203" pitchFamily="34" charset="0"/>
-            </a:endParaRPr>
-          </a:p>
-        </p:txBody>
-      </p:sp>
-      <p:sp>
-        <p:nvSpPr>
-          <p:cNvPr id="40" name="TextBox 39"/>
-          <p:cNvSpPr txBox="1"/>
-          <p:nvPr/>
-        </p:nvSpPr>
-        <p:spPr>
-          <a:xfrm>
-            <a:off x="5472522" y="5181600"/>
-            <a:ext cx="1291764" cy="276999"/>
-          </a:xfrm>
-          <a:prstGeom prst="rect">
-            <a:avLst/>
-          </a:prstGeom>
-          <a:noFill/>
-        </p:spPr>
-        <p:txBody>
-          <a:bodyPr wrap="none" rtlCol="0">
-            <a:spAutoFit/>
-          </a:bodyPr>
-          <a:lstStyle/>
-          <a:p>
-            <a:pPr algn="ctr"/>
-            <a:r>
-              <a:rPr lang="en-US" sz="1200" b="1" dirty="0">
-                <a:solidFill>
-                  <a:schemeClr val="accent1"/>
-                </a:solidFill>
-                <a:latin typeface="Lato Black" panose="020F0502020204030203" pitchFamily="34" charset="0"/>
-                <a:ea typeface="Lato Black" panose="020F0502020204030203" pitchFamily="34" charset="0"/>
-                <a:cs typeface="Lato Black" panose="020F0502020204030203" pitchFamily="34" charset="0"/>
-              </a:rPr>
-              <a:t>Group Member</a:t>
-            </a:r>
-          </a:p>
-        </p:txBody>
-      </p:sp>
-      <p:cxnSp>
-        <p:nvCxnSpPr>
-          <p:cNvPr id="42" name="Straight Connector 41">
-            <a:extLst>
-              <a:ext uri="{C183D7F6-B498-43B3-948B-1728B52AA6E4}">
-                <adec:decorative xmlns:adec="http://schemas.microsoft.com/office/drawing/2017/decorative" val="1"/>
-              </a:ext>
-            </a:extLst>
-          </p:cNvPr>
-          <p:cNvCxnSpPr/>
-          <p:nvPr/>
-        </p:nvCxnSpPr>
-        <p:spPr>
-          <a:xfrm>
-            <a:off x="5317907" y="5455919"/>
-            <a:ext cx="1619915" cy="0"/>
-          </a:xfrm>
-          <a:prstGeom prst="line">
-            <a:avLst/>
-          </a:prstGeom>
-        </p:spPr>
-        <p:style>
-          <a:lnRef idx="1">
-            <a:schemeClr val="accent1"/>
-          </a:lnRef>
-          <a:fillRef idx="0">
-            <a:schemeClr val="accent1"/>
-          </a:fillRef>
-          <a:effectRef idx="0">
-            <a:schemeClr val="accent1"/>
-          </a:effectRef>
-          <a:fontRef idx="minor">
-            <a:schemeClr val="tx1"/>
-          </a:fontRef>
-        </p:style>
-      </p:cxnSp>
-      <p:sp>
-        <p:nvSpPr>
-          <p:cNvPr id="41" name="TextBox 40"/>
-          <p:cNvSpPr txBox="1"/>
-          <p:nvPr/>
-        </p:nvSpPr>
-        <p:spPr>
-          <a:xfrm>
-            <a:off x="5444830" y="5430633"/>
-            <a:ext cx="1366080" cy="338554"/>
-          </a:xfrm>
-          <a:prstGeom prst="rect">
-            <a:avLst/>
-          </a:prstGeom>
-          <a:noFill/>
-        </p:spPr>
-        <p:txBody>
-          <a:bodyPr wrap="none" rtlCol="0">
-            <a:spAutoFit/>
-          </a:bodyPr>
-          <a:lstStyle/>
-          <a:p>
-            <a:pPr algn="ctr"/>
-            <a:r>
-              <a:rPr lang="en-US" sz="1600" b="1" dirty="0">
-                <a:solidFill>
-                  <a:schemeClr val="tx2"/>
-                </a:solidFill>
-                <a:latin typeface="Lato" panose="020F0502020204030203" pitchFamily="34" charset="0"/>
-                <a:ea typeface="Lato" panose="020F0502020204030203" pitchFamily="34" charset="0"/>
-                <a:cs typeface="Lato" panose="020F0502020204030203" pitchFamily="34" charset="0"/>
-              </a:rPr>
-              <a:t>Don </a:t>
-            </a:r>
-            <a:r>
-              <a:rPr lang="en-US" sz="1600" b="1" dirty="0" err="1">
-                <a:solidFill>
-                  <a:schemeClr val="tx2"/>
-                </a:solidFill>
-                <a:latin typeface="Lato" panose="020F0502020204030203" pitchFamily="34" charset="0"/>
-                <a:ea typeface="Lato" panose="020F0502020204030203" pitchFamily="34" charset="0"/>
-                <a:cs typeface="Lato" panose="020F0502020204030203" pitchFamily="34" charset="0"/>
-              </a:rPr>
-              <a:t>Leshem</a:t>
-            </a:r>
-            <a:endParaRPr lang="en-US" sz="1600" b="1" dirty="0">
-              <a:solidFill>
-                <a:schemeClr val="tx2"/>
-              </a:solidFill>
-              <a:latin typeface="Lato" panose="020F0502020204030203" pitchFamily="34" charset="0"/>
-              <a:ea typeface="Lato" panose="020F0502020204030203" pitchFamily="34" charset="0"/>
-              <a:cs typeface="Lato" panose="020F0502020204030203" pitchFamily="34" charset="0"/>
-            </a:endParaRPr>
-          </a:p>
-        </p:txBody>
-      </p:sp>
-      <p:sp>
-        <p:nvSpPr>
-          <p:cNvPr id="2" name="Title 1" hidden="1">
-            <a:extLst>
-              <a:ext uri="{FF2B5EF4-FFF2-40B4-BE49-F238E27FC236}">
-                <a16:creationId xmlns:a16="http://schemas.microsoft.com/office/drawing/2014/main" id="{049816CA-D25A-4DA3-944B-4F935E1EC6A5}"/>
-              </a:ext>
-            </a:extLst>
-          </p:cNvPr>
-          <p:cNvSpPr>
-            <a:spLocks noGrp="1"/>
-          </p:cNvSpPr>
-          <p:nvPr>
-            <p:ph type="title"/>
-          </p:nvPr>
-        </p:nvSpPr>
-        <p:spPr/>
-        <p:txBody>
-          <a:bodyPr/>
-          <a:lstStyle/>
-          <a:p>
-            <a:r>
-              <a:rPr lang="en-US" dirty="0"/>
-              <a:t>Slide 10</a:t>
-            </a:r>
-          </a:p>
-        </p:txBody>
-      </p:sp>
-      <p:sp>
-        <p:nvSpPr>
-          <p:cNvPr id="34" name="TextBox 33">
-            <a:extLst>
-              <a:ext uri="{FF2B5EF4-FFF2-40B4-BE49-F238E27FC236}">
-                <a16:creationId xmlns:a16="http://schemas.microsoft.com/office/drawing/2014/main" id="{72D3F340-BF1F-4FC5-9737-A64F715762E6}"/>
-              </a:ext>
-            </a:extLst>
-          </p:cNvPr>
-          <p:cNvSpPr txBox="1"/>
-          <p:nvPr/>
-        </p:nvSpPr>
-        <p:spPr>
-          <a:xfrm>
-            <a:off x="7938453" y="5181600"/>
-            <a:ext cx="1291764" cy="276999"/>
-          </a:xfrm>
-          <a:prstGeom prst="rect">
-            <a:avLst/>
-          </a:prstGeom>
-          <a:noFill/>
-        </p:spPr>
-        <p:txBody>
-          <a:bodyPr wrap="none" rtlCol="0">
-            <a:spAutoFit/>
-          </a:bodyPr>
-          <a:lstStyle/>
-          <a:p>
-            <a:pPr algn="ctr"/>
-            <a:r>
-              <a:rPr lang="en-US" sz="1200" b="1" dirty="0">
-                <a:solidFill>
-                  <a:schemeClr val="accent1"/>
-                </a:solidFill>
-                <a:latin typeface="Lato Black" panose="020F0502020204030203" pitchFamily="34" charset="0"/>
-                <a:ea typeface="Lato Black" panose="020F0502020204030203" pitchFamily="34" charset="0"/>
-                <a:cs typeface="Lato Black" panose="020F0502020204030203" pitchFamily="34" charset="0"/>
-              </a:rPr>
-              <a:t>Group Member</a:t>
-            </a:r>
-          </a:p>
-        </p:txBody>
-      </p:sp>
-      <p:cxnSp>
-        <p:nvCxnSpPr>
-          <p:cNvPr id="35" name="Straight Connector 34">
-            <a:extLst>
-              <a:ext uri="{FF2B5EF4-FFF2-40B4-BE49-F238E27FC236}">
-                <a16:creationId xmlns:a16="http://schemas.microsoft.com/office/drawing/2014/main" id="{ECA6E5BB-4AC5-41AA-A278-4DCD975C6B60}"/>
-              </a:ext>
-              <a:ext uri="{C183D7F6-B498-43B3-948B-1728B52AA6E4}">
-                <adec:decorative xmlns:adec="http://schemas.microsoft.com/office/drawing/2017/decorative" val="1"/>
-              </a:ext>
-            </a:extLst>
-          </p:cNvPr>
-          <p:cNvCxnSpPr/>
-          <p:nvPr/>
-        </p:nvCxnSpPr>
-        <p:spPr>
-          <a:xfrm>
-            <a:off x="7783836" y="5455919"/>
-            <a:ext cx="1619915" cy="0"/>
-          </a:xfrm>
-          <a:prstGeom prst="line">
-            <a:avLst/>
-          </a:prstGeom>
-        </p:spPr>
-        <p:style>
-          <a:lnRef idx="1">
-            <a:schemeClr val="accent1"/>
-          </a:lnRef>
-          <a:fillRef idx="0">
-            <a:schemeClr val="accent1"/>
-          </a:fillRef>
-          <a:effectRef idx="0">
-            <a:schemeClr val="accent1"/>
-          </a:effectRef>
-          <a:fontRef idx="minor">
-            <a:schemeClr val="tx1"/>
-          </a:fontRef>
-        </p:style>
-      </p:cxnSp>
-      <p:sp>
-        <p:nvSpPr>
-          <p:cNvPr id="39" name="TextBox 38">
-            <a:extLst>
-              <a:ext uri="{FF2B5EF4-FFF2-40B4-BE49-F238E27FC236}">
-                <a16:creationId xmlns:a16="http://schemas.microsoft.com/office/drawing/2014/main" id="{CD0BC9E5-1148-4484-96E0-FB0D901E1585}"/>
-              </a:ext>
-            </a:extLst>
-          </p:cNvPr>
-          <p:cNvSpPr txBox="1"/>
-          <p:nvPr/>
-        </p:nvSpPr>
-        <p:spPr>
-          <a:xfrm>
-            <a:off x="7931212" y="5430633"/>
-            <a:ext cx="1325171" cy="338554"/>
-          </a:xfrm>
-          <a:prstGeom prst="rect">
-            <a:avLst/>
-          </a:prstGeom>
-          <a:noFill/>
-        </p:spPr>
-        <p:txBody>
-          <a:bodyPr wrap="none" rtlCol="0">
-            <a:spAutoFit/>
-          </a:bodyPr>
-          <a:lstStyle/>
-          <a:p>
-            <a:pPr algn="ctr"/>
-            <a:r>
-              <a:rPr lang="en-US" sz="1600" b="1" dirty="0">
-                <a:solidFill>
-                  <a:schemeClr val="tx2"/>
-                </a:solidFill>
-                <a:latin typeface="Lato" panose="020F0502020204030203" pitchFamily="34" charset="0"/>
-                <a:ea typeface="Lato" panose="020F0502020204030203" pitchFamily="34" charset="0"/>
-                <a:cs typeface="Lato" panose="020F0502020204030203" pitchFamily="34" charset="0"/>
-              </a:rPr>
-              <a:t>Drew Seelig</a:t>
-            </a:r>
-          </a:p>
-        </p:txBody>
-      </p:sp>
-      <p:sp>
-        <p:nvSpPr>
-          <p:cNvPr id="46" name="TextBox 45">
-            <a:extLst>
-              <a:ext uri="{FF2B5EF4-FFF2-40B4-BE49-F238E27FC236}">
-                <a16:creationId xmlns:a16="http://schemas.microsoft.com/office/drawing/2014/main" id="{C830E957-36A4-42D7-A75D-E698EA5B57DF}"/>
-              </a:ext>
-            </a:extLst>
-          </p:cNvPr>
-          <p:cNvSpPr txBox="1"/>
-          <p:nvPr/>
-        </p:nvSpPr>
-        <p:spPr>
-          <a:xfrm>
-            <a:off x="10535440" y="5181600"/>
-            <a:ext cx="949876" cy="276999"/>
-          </a:xfrm>
-          <a:prstGeom prst="rect">
-            <a:avLst/>
-          </a:prstGeom>
-          <a:noFill/>
-        </p:spPr>
-        <p:txBody>
-          <a:bodyPr wrap="none" rtlCol="0">
-            <a:spAutoFit/>
-          </a:bodyPr>
-          <a:lstStyle/>
-          <a:p>
-            <a:pPr algn="ctr"/>
-            <a:r>
-              <a:rPr lang="en-US" sz="1200" b="1" dirty="0">
-                <a:solidFill>
-                  <a:schemeClr val="accent1"/>
-                </a:solidFill>
-                <a:latin typeface="Lato Black" panose="020F0502020204030203" pitchFamily="34" charset="0"/>
-                <a:ea typeface="Lato Black" panose="020F0502020204030203" pitchFamily="34" charset="0"/>
-                <a:cs typeface="Lato Black" panose="020F0502020204030203" pitchFamily="34" charset="0"/>
-              </a:rPr>
-              <a:t>Team Lead</a:t>
-            </a:r>
-          </a:p>
-        </p:txBody>
-      </p:sp>
-      <p:cxnSp>
-        <p:nvCxnSpPr>
-          <p:cNvPr id="47" name="Straight Connector 46">
-            <a:extLst>
-              <a:ext uri="{FF2B5EF4-FFF2-40B4-BE49-F238E27FC236}">
-                <a16:creationId xmlns:a16="http://schemas.microsoft.com/office/drawing/2014/main" id="{18431808-2743-42AE-8F3A-67EAB41896A2}"/>
-              </a:ext>
-              <a:ext uri="{C183D7F6-B498-43B3-948B-1728B52AA6E4}">
-                <adec:decorative xmlns:adec="http://schemas.microsoft.com/office/drawing/2017/decorative" val="1"/>
-              </a:ext>
-            </a:extLst>
-          </p:cNvPr>
-          <p:cNvCxnSpPr/>
-          <p:nvPr/>
-        </p:nvCxnSpPr>
-        <p:spPr>
-          <a:xfrm>
-            <a:off x="10209878" y="5455919"/>
-            <a:ext cx="1619915" cy="0"/>
-          </a:xfrm>
-          <a:prstGeom prst="line">
-            <a:avLst/>
-          </a:prstGeom>
-        </p:spPr>
-        <p:style>
-          <a:lnRef idx="1">
-            <a:schemeClr val="accent1"/>
-          </a:lnRef>
-          <a:fillRef idx="0">
-            <a:schemeClr val="accent1"/>
-          </a:fillRef>
-          <a:effectRef idx="0">
-            <a:schemeClr val="accent1"/>
-          </a:effectRef>
-          <a:fontRef idx="minor">
-            <a:schemeClr val="tx1"/>
-          </a:fontRef>
-        </p:style>
-      </p:cxnSp>
-      <p:sp>
-        <p:nvSpPr>
-          <p:cNvPr id="48" name="TextBox 47">
-            <a:extLst>
-              <a:ext uri="{FF2B5EF4-FFF2-40B4-BE49-F238E27FC236}">
-                <a16:creationId xmlns:a16="http://schemas.microsoft.com/office/drawing/2014/main" id="{E8FDA6B6-B815-4DB0-8C2C-076741F694FD}"/>
-              </a:ext>
-            </a:extLst>
-          </p:cNvPr>
-          <p:cNvSpPr txBox="1"/>
-          <p:nvPr/>
-        </p:nvSpPr>
-        <p:spPr>
-          <a:xfrm>
-            <a:off x="10321187" y="5430633"/>
-            <a:ext cx="1397306" cy="338554"/>
-          </a:xfrm>
-          <a:prstGeom prst="rect">
-            <a:avLst/>
-          </a:prstGeom>
-          <a:noFill/>
-        </p:spPr>
-        <p:txBody>
-          <a:bodyPr wrap="none" rtlCol="0">
-            <a:spAutoFit/>
-          </a:bodyPr>
-          <a:lstStyle/>
-          <a:p>
-            <a:pPr algn="ctr"/>
-            <a:r>
-              <a:rPr lang="en-US" sz="1600" b="1" dirty="0">
-                <a:solidFill>
-                  <a:schemeClr val="tx2"/>
-                </a:solidFill>
-                <a:latin typeface="Lato" panose="020F0502020204030203" pitchFamily="34" charset="0"/>
-                <a:ea typeface="Lato" panose="020F0502020204030203" pitchFamily="34" charset="0"/>
-                <a:cs typeface="Lato" panose="020F0502020204030203" pitchFamily="34" charset="0"/>
-              </a:rPr>
-              <a:t>Omar </a:t>
-            </a:r>
-            <a:r>
-              <a:rPr lang="en-US" sz="1600" b="1" dirty="0" err="1">
-                <a:solidFill>
-                  <a:schemeClr val="tx2"/>
-                </a:solidFill>
-                <a:latin typeface="Lato" panose="020F0502020204030203" pitchFamily="34" charset="0"/>
-                <a:ea typeface="Lato" panose="020F0502020204030203" pitchFamily="34" charset="0"/>
-                <a:cs typeface="Lato" panose="020F0502020204030203" pitchFamily="34" charset="0"/>
-              </a:rPr>
-              <a:t>Eltorai</a:t>
-            </a:r>
-            <a:endParaRPr lang="en-US" sz="1600" b="1" dirty="0">
-              <a:solidFill>
-                <a:schemeClr val="tx2"/>
-              </a:solidFill>
-              <a:latin typeface="Lato" panose="020F0502020204030203" pitchFamily="34" charset="0"/>
-              <a:ea typeface="Lato" panose="020F0502020204030203" pitchFamily="34" charset="0"/>
-              <a:cs typeface="Lato" panose="020F0502020204030203" pitchFamily="34" charset="0"/>
-            </a:endParaRPr>
-          </a:p>
-        </p:txBody>
-      </p:sp>
-      <p:pic>
-        <p:nvPicPr>
-          <p:cNvPr id="7" name="Picture 6">
-            <a:extLst>
-              <a:ext uri="{FF2B5EF4-FFF2-40B4-BE49-F238E27FC236}">
-                <a16:creationId xmlns:a16="http://schemas.microsoft.com/office/drawing/2014/main" id="{81501F8C-7F79-4BA4-91CD-B8C38E6E015C}"/>
-              </a:ext>
-            </a:extLst>
-          </p:cNvPr>
-          <p:cNvPicPr>
-            <a:picLocks noChangeAspect="1"/>
-          </p:cNvPicPr>
-          <p:nvPr/>
-        </p:nvPicPr>
-        <p:blipFill>
-          <a:blip r:embed="rId3"/>
-          <a:stretch>
-            <a:fillRect/>
-          </a:stretch>
-        </p:blipFill>
-        <p:spPr>
-          <a:xfrm>
-            <a:off x="7502064" y="2229025"/>
-            <a:ext cx="2156108" cy="2201236"/>
-          </a:xfrm>
-          <a:prstGeom prst="ellipse">
-            <a:avLst/>
-          </a:prstGeom>
-          <a:ln w="190500" cap="rnd">
-            <a:solidFill>
-              <a:schemeClr val="accent1"/>
-            </a:solidFill>
-            <a:prstDash val="solid"/>
-          </a:ln>
-          <a:effectLst>
-            <a:outerShdw blurRad="127000" algn="bl" rotWithShape="0">
-              <a:srgbClr val="000000"/>
-            </a:outerShdw>
-          </a:effectLst>
-          <a:scene3d>
-            <a:camera prst="perspectiveFront" fov="5400000"/>
-            <a:lightRig rig="threePt" dir="t">
-              <a:rot lat="0" lon="0" rev="19200000"/>
-            </a:lightRig>
-          </a:scene3d>
-          <a:sp3d extrusionH="25400">
-            <a:bevelT w="304800" h="152400" prst="hardEdge"/>
-            <a:extrusionClr>
-              <a:srgbClr val="000000"/>
-            </a:extrusionClr>
-          </a:sp3d>
-        </p:spPr>
       </p:pic>
       <p:pic>
         <p:nvPicPr>
-          <p:cNvPr id="1026" name="Picture 2" descr="Don Leshem">
+          <p:cNvPr id="1028" name="Picture 4" descr="Charles Biggar">
             <a:extLst>
               <a:ext uri="{FF2B5EF4-FFF2-40B4-BE49-F238E27FC236}">
-                <a16:creationId xmlns:a16="http://schemas.microsoft.com/office/drawing/2014/main" id="{3E6FD32C-D292-4E89-B73A-A9B2577CFC04}"/>
+                <a16:creationId xmlns:a16="http://schemas.microsoft.com/office/drawing/2014/main" id="{E755B987-FD25-455F-9B57-05B14D6D64AE}"/>
               </a:ext>
             </a:extLst>
           </p:cNvPr>
@@ -11647,7 +11816,7 @@
           <p:nvPr/>
         </p:nvPicPr>
         <p:blipFill>
-          <a:blip r:embed="rId4">
+          <a:blip r:embed="rId5">
             <a:extLst>
               <a:ext uri="{28A0092B-C50C-407E-A947-70E740481C1C}">
                 <a14:useLocalDpi xmlns:a14="http://schemas.microsoft.com/office/drawing/2010/main" val="0"/>
@@ -11661,8 +11830,8 @@
         </p:blipFill>
         <p:spPr bwMode="auto">
           <a:xfrm>
-            <a:off x="4986082" y="2241610"/>
-            <a:ext cx="2156108" cy="2156108"/>
+            <a:off x="848590" y="2275653"/>
+            <a:ext cx="2172096" cy="2172096"/>
           </a:xfrm>
           <a:prstGeom prst="ellipse">
             <a:avLst/>
@@ -11703,75 +11872,6 @@
       </p:pic>
       <p:pic>
         <p:nvPicPr>
-          <p:cNvPr id="1028" name="Picture 4" descr="Charles Biggar">
-            <a:extLst>
-              <a:ext uri="{FF2B5EF4-FFF2-40B4-BE49-F238E27FC236}">
-                <a16:creationId xmlns:a16="http://schemas.microsoft.com/office/drawing/2014/main" id="{E755B987-FD25-455F-9B57-05B14D6D64AE}"/>
-              </a:ext>
-            </a:extLst>
-          </p:cNvPr>
-          <p:cNvPicPr>
-            <a:picLocks noChangeAspect="1" noChangeArrowheads="1"/>
-          </p:cNvPicPr>
-          <p:nvPr/>
-        </p:nvPicPr>
-        <p:blipFill>
-          <a:blip r:embed="rId5">
-            <a:extLst>
-              <a:ext uri="{28A0092B-C50C-407E-A947-70E740481C1C}">
-                <a14:useLocalDpi xmlns:a14="http://schemas.microsoft.com/office/drawing/2010/main" val="0"/>
-              </a:ext>
-            </a:extLst>
-          </a:blip>
-          <a:srcRect/>
-          <a:stretch>
-            <a:fillRect/>
-          </a:stretch>
-        </p:blipFill>
-        <p:spPr bwMode="auto">
-          <a:xfrm>
-            <a:off x="2583179" y="2225622"/>
-            <a:ext cx="2172096" cy="2172096"/>
-          </a:xfrm>
-          <a:prstGeom prst="ellipse">
-            <a:avLst/>
-          </a:prstGeom>
-          <a:ln w="190500" cap="rnd">
-            <a:solidFill>
-              <a:schemeClr val="accent1"/>
-            </a:solidFill>
-            <a:prstDash val="solid"/>
-          </a:ln>
-          <a:effectLst>
-            <a:outerShdw blurRad="127000" algn="bl" rotWithShape="0">
-              <a:srgbClr val="000000"/>
-            </a:outerShdw>
-          </a:effectLst>
-          <a:scene3d>
-            <a:camera prst="perspectiveFront" fov="5400000"/>
-            <a:lightRig rig="threePt" dir="t">
-              <a:rot lat="0" lon="0" rev="19200000"/>
-            </a:lightRig>
-          </a:scene3d>
-          <a:sp3d extrusionH="25400">
-            <a:bevelT w="304800" h="152400" prst="hardEdge"/>
-            <a:extrusionClr>
-              <a:srgbClr val="000000"/>
-            </a:extrusionClr>
-          </a:sp3d>
-          <a:extLst>
-            <a:ext uri="{909E8E84-426E-40DD-AFC4-6F175D3DCCD1}">
-              <a14:hiddenFill xmlns:a14="http://schemas.microsoft.com/office/drawing/2010/main">
-                <a:solidFill>
-                  <a:srgbClr val="FFFFFF"/>
-                </a:solidFill>
-              </a14:hiddenFill>
-            </a:ext>
-          </a:extLst>
-        </p:spPr>
-      </p:pic>
-      <p:pic>
-        <p:nvPicPr>
           <p:cNvPr id="1030" name="Picture 6" descr="Omar Eltorai">
             <a:extLst>
               <a:ext uri="{FF2B5EF4-FFF2-40B4-BE49-F238E27FC236}">
@@ -11799,7 +11899,7 @@
         </p:blipFill>
         <p:spPr bwMode="auto">
           <a:xfrm>
-            <a:off x="9888979" y="2285711"/>
+            <a:off x="9501052" y="2255667"/>
             <a:ext cx="2212069" cy="2212069"/>
           </a:xfrm>
           <a:prstGeom prst="ellipse">
@@ -12111,7 +12211,7 @@
                                           </p:stCondLst>
                                         </p:cTn>
                                         <p:tgtEl>
-                                          <p:spTgt spid="9"/>
+                                          <p:spTgt spid="40"/>
                                         </p:tgtEl>
                                         <p:attrNameLst>
                                           <p:attrName>style.visibility</p:attrName>
@@ -12125,7 +12225,7 @@
                                       <p:cBhvr>
                                         <p:cTn id="25" dur="500"/>
                                         <p:tgtEl>
-                                          <p:spTgt spid="9"/>
+                                          <p:spTgt spid="40"/>
                                         </p:tgtEl>
                                       </p:cBhvr>
                                     </p:animEffect>
@@ -12155,7 +12255,7 @@
                                           </p:stCondLst>
                                         </p:cTn>
                                         <p:tgtEl>
-                                          <p:spTgt spid="3"/>
+                                          <p:spTgt spid="42"/>
                                         </p:tgtEl>
                                         <p:attrNameLst>
                                           <p:attrName>style.visibility</p:attrName>
@@ -12169,7 +12269,7 @@
                                       <p:cBhvr>
                                         <p:cTn id="29" dur="500"/>
                                         <p:tgtEl>
-                                          <p:spTgt spid="3"/>
+                                          <p:spTgt spid="42"/>
                                         </p:tgtEl>
                                       </p:cBhvr>
                                     </p:animEffect>
@@ -12199,7 +12299,7 @@
                                           </p:stCondLst>
                                         </p:cTn>
                                         <p:tgtEl>
-                                          <p:spTgt spid="23"/>
+                                          <p:spTgt spid="41"/>
                                         </p:tgtEl>
                                         <p:attrNameLst>
                                           <p:attrName>style.visibility</p:attrName>
@@ -12213,7 +12313,7 @@
                                       <p:cBhvr>
                                         <p:cTn id="33" dur="1000"/>
                                         <p:tgtEl>
-                                          <p:spTgt spid="23"/>
+                                          <p:spTgt spid="41"/>
                                         </p:tgtEl>
                                       </p:cBhvr>
                                     </p:animEffect>
@@ -12221,7 +12321,7 @@
                                       <p:cBhvr>
                                         <p:cTn id="34" dur="1000" fill="hold"/>
                                         <p:tgtEl>
-                                          <p:spTgt spid="23"/>
+                                          <p:spTgt spid="41"/>
                                         </p:tgtEl>
                                         <p:attrNameLst>
                                           <p:attrName>ppt_x</p:attrName>
@@ -12244,7 +12344,7 @@
                                       <p:cBhvr>
                                         <p:cTn id="35" dur="1000" fill="hold"/>
                                         <p:tgtEl>
-                                          <p:spTgt spid="23"/>
+                                          <p:spTgt spid="41"/>
                                         </p:tgtEl>
                                         <p:attrNameLst>
                                           <p:attrName>ppt_y</p:attrName>
@@ -12289,7 +12389,7 @@
                                           </p:stCondLst>
                                         </p:cTn>
                                         <p:tgtEl>
-                                          <p:spTgt spid="40"/>
+                                          <p:spTgt spid="34"/>
                                         </p:tgtEl>
                                         <p:attrNameLst>
                                           <p:attrName>style.visibility</p:attrName>
@@ -12303,7 +12403,7 @@
                                       <p:cBhvr>
                                         <p:cTn id="39" dur="500"/>
                                         <p:tgtEl>
-                                          <p:spTgt spid="40"/>
+                                          <p:spTgt spid="34"/>
                                         </p:tgtEl>
                                       </p:cBhvr>
                                     </p:animEffect>
@@ -12333,7 +12433,7 @@
                                           </p:stCondLst>
                                         </p:cTn>
                                         <p:tgtEl>
-                                          <p:spTgt spid="42"/>
+                                          <p:spTgt spid="35"/>
                                         </p:tgtEl>
                                         <p:attrNameLst>
                                           <p:attrName>style.visibility</p:attrName>
@@ -12347,7 +12447,7 @@
                                       <p:cBhvr>
                                         <p:cTn id="43" dur="500"/>
                                         <p:tgtEl>
-                                          <p:spTgt spid="42"/>
+                                          <p:spTgt spid="35"/>
                                         </p:tgtEl>
                                       </p:cBhvr>
                                     </p:animEffect>
@@ -12377,7 +12477,7 @@
                                           </p:stCondLst>
                                         </p:cTn>
                                         <p:tgtEl>
-                                          <p:spTgt spid="41"/>
+                                          <p:spTgt spid="39"/>
                                         </p:tgtEl>
                                         <p:attrNameLst>
                                           <p:attrName>style.visibility</p:attrName>
@@ -12391,7 +12491,7 @@
                                       <p:cBhvr>
                                         <p:cTn id="47" dur="1000"/>
                                         <p:tgtEl>
-                                          <p:spTgt spid="41"/>
+                                          <p:spTgt spid="39"/>
                                         </p:tgtEl>
                                       </p:cBhvr>
                                     </p:animEffect>
@@ -12399,7 +12499,7 @@
                                       <p:cBhvr>
                                         <p:cTn id="48" dur="1000" fill="hold"/>
                                         <p:tgtEl>
-                                          <p:spTgt spid="41"/>
+                                          <p:spTgt spid="39"/>
                                         </p:tgtEl>
                                         <p:attrNameLst>
                                           <p:attrName>ppt_x</p:attrName>
@@ -12422,7 +12522,7 @@
                                       <p:cBhvr>
                                         <p:cTn id="49" dur="1000" fill="hold"/>
                                         <p:tgtEl>
-                                          <p:spTgt spid="41"/>
+                                          <p:spTgt spid="39"/>
                                         </p:tgtEl>
                                         <p:attrNameLst>
                                           <p:attrName>ppt_y</p:attrName>
@@ -12467,7 +12567,7 @@
                                           </p:stCondLst>
                                         </p:cTn>
                                         <p:tgtEl>
-                                          <p:spTgt spid="34"/>
+                                          <p:spTgt spid="46"/>
                                         </p:tgtEl>
                                         <p:attrNameLst>
                                           <p:attrName>style.visibility</p:attrName>
@@ -12481,7 +12581,7 @@
                                       <p:cBhvr>
                                         <p:cTn id="53" dur="500"/>
                                         <p:tgtEl>
-                                          <p:spTgt spid="34"/>
+                                          <p:spTgt spid="46"/>
                                         </p:tgtEl>
                                       </p:cBhvr>
                                     </p:animEffect>
@@ -12511,7 +12611,7 @@
                                           </p:stCondLst>
                                         </p:cTn>
                                         <p:tgtEl>
-                                          <p:spTgt spid="35"/>
+                                          <p:spTgt spid="47"/>
                                         </p:tgtEl>
                                         <p:attrNameLst>
                                           <p:attrName>style.visibility</p:attrName>
@@ -12525,7 +12625,7 @@
                                       <p:cBhvr>
                                         <p:cTn id="57" dur="500"/>
                                         <p:tgtEl>
-                                          <p:spTgt spid="35"/>
+                                          <p:spTgt spid="47"/>
                                         </p:tgtEl>
                                       </p:cBhvr>
                                     </p:animEffect>
@@ -12555,7 +12655,7 @@
                                           </p:stCondLst>
                                         </p:cTn>
                                         <p:tgtEl>
-                                          <p:spTgt spid="39"/>
+                                          <p:spTgt spid="48"/>
                                         </p:tgtEl>
                                         <p:attrNameLst>
                                           <p:attrName>style.visibility</p:attrName>
@@ -12569,191 +12669,13 @@
                                       <p:cBhvr>
                                         <p:cTn id="61" dur="1000"/>
                                         <p:tgtEl>
-                                          <p:spTgt spid="39"/>
+                                          <p:spTgt spid="48"/>
                                         </p:tgtEl>
                                       </p:cBhvr>
                                     </p:animEffect>
                                     <p:anim calcmode="lin" valueType="num">
                                       <p:cBhvr>
                                         <p:cTn id="62" dur="1000" fill="hold"/>
-                                        <p:tgtEl>
-                                          <p:spTgt spid="39"/>
-                                        </p:tgtEl>
-                                        <p:attrNameLst>
-                                          <p:attrName>ppt_x</p:attrName>
-                                        </p:attrNameLst>
-                                      </p:cBhvr>
-                                      <p:tavLst>
-                                        <p:tav tm="0">
-                                          <p:val>
-                                            <p:strVal val="#ppt_x"/>
-                                          </p:val>
-                                        </p:tav>
-                                        <p:tav tm="100000">
-                                          <p:val>
-                                            <p:strVal val="#ppt_x"/>
-                                          </p:val>
-                                        </p:tav>
-                                      </p:tavLst>
-                                    </p:anim>
-                                    <p:anim calcmode="lin" valueType="num">
-                                      <p:cBhvr>
-                                        <p:cTn id="63" dur="1000" fill="hold"/>
-                                        <p:tgtEl>
-                                          <p:spTgt spid="39"/>
-                                        </p:tgtEl>
-                                        <p:attrNameLst>
-                                          <p:attrName>ppt_y</p:attrName>
-                                        </p:attrNameLst>
-                                      </p:cBhvr>
-                                      <p:tavLst>
-                                        <p:tav tm="0">
-                                          <p:val>
-                                            <p:strVal val="#ppt_y+.1"/>
-                                          </p:val>
-                                        </p:tav>
-                                        <p:tav tm="100000">
-                                          <p:val>
-                                            <p:strVal val="#ppt_y"/>
-                                          </p:val>
-                                        </p:tav>
-                                      </p:tavLst>
-                                    </p:anim>
-                                  </p:childTnLst>
-                                </p:cTn>
-                              </p:par>
-                            </p:childTnLst>
-                          </p:cTn>
-                        </p:par>
-                        <p:par>
-                          <p:cTn id="64" fill="hold">
-                            <p:stCondLst>
-                              <p:cond delay="8500"/>
-                            </p:stCondLst>
-                            <p:childTnLst>
-                              <p:par>
-                                <p:cTn id="65" presetID="10" presetClass="entr" presetSubtype="0" fill="hold" grpId="0" nodeType="afterEffect">
-                                  <p:stCondLst>
-                                    <p:cond delay="0"/>
-                                  </p:stCondLst>
-                                  <p:childTnLst>
-                                    <p:set>
-                                      <p:cBhvr>
-                                        <p:cTn id="66" dur="1" fill="hold">
-                                          <p:stCondLst>
-                                            <p:cond delay="0"/>
-                                          </p:stCondLst>
-                                        </p:cTn>
-                                        <p:tgtEl>
-                                          <p:spTgt spid="46"/>
-                                        </p:tgtEl>
-                                        <p:attrNameLst>
-                                          <p:attrName>style.visibility</p:attrName>
-                                        </p:attrNameLst>
-                                      </p:cBhvr>
-                                      <p:to>
-                                        <p:strVal val="visible"/>
-                                      </p:to>
-                                    </p:set>
-                                    <p:animEffect transition="in" filter="fade">
-                                      <p:cBhvr>
-                                        <p:cTn id="67" dur="500"/>
-                                        <p:tgtEl>
-                                          <p:spTgt spid="46"/>
-                                        </p:tgtEl>
-                                      </p:cBhvr>
-                                    </p:animEffect>
-                                  </p:childTnLst>
-                                </p:cTn>
-                              </p:par>
-                            </p:childTnLst>
-                          </p:cTn>
-                        </p:par>
-                        <p:par>
-                          <p:cTn id="68" fill="hold">
-                            <p:stCondLst>
-                              <p:cond delay="9000"/>
-                            </p:stCondLst>
-                            <p:childTnLst>
-                              <p:par>
-                                <p:cTn id="69" presetID="16" presetClass="entr" presetSubtype="21" fill="hold" nodeType="afterEffect">
-                                  <p:stCondLst>
-                                    <p:cond delay="0"/>
-                                  </p:stCondLst>
-                                  <p:childTnLst>
-                                    <p:set>
-                                      <p:cBhvr>
-                                        <p:cTn id="70" dur="1" fill="hold">
-                                          <p:stCondLst>
-                                            <p:cond delay="0"/>
-                                          </p:stCondLst>
-                                        </p:cTn>
-                                        <p:tgtEl>
-                                          <p:spTgt spid="47"/>
-                                        </p:tgtEl>
-                                        <p:attrNameLst>
-                                          <p:attrName>style.visibility</p:attrName>
-                                        </p:attrNameLst>
-                                      </p:cBhvr>
-                                      <p:to>
-                                        <p:strVal val="visible"/>
-                                      </p:to>
-                                    </p:set>
-                                    <p:animEffect transition="in" filter="barn(inVertical)">
-                                      <p:cBhvr>
-                                        <p:cTn id="71" dur="500"/>
-                                        <p:tgtEl>
-                                          <p:spTgt spid="47"/>
-                                        </p:tgtEl>
-                                      </p:cBhvr>
-                                    </p:animEffect>
-                                  </p:childTnLst>
-                                </p:cTn>
-                              </p:par>
-                            </p:childTnLst>
-                          </p:cTn>
-                        </p:par>
-                        <p:par>
-                          <p:cTn id="72" fill="hold">
-                            <p:stCondLst>
-                              <p:cond delay="9500"/>
-                            </p:stCondLst>
-                            <p:childTnLst>
-                              <p:par>
-                                <p:cTn id="73" presetID="42" presetClass="entr" presetSubtype="0" fill="hold" grpId="0" nodeType="afterEffect">
-                                  <p:stCondLst>
-                                    <p:cond delay="0"/>
-                                  </p:stCondLst>
-                                  <p:childTnLst>
-                                    <p:set>
-                                      <p:cBhvr>
-                                        <p:cTn id="74" dur="1" fill="hold">
-                                          <p:stCondLst>
-                                            <p:cond delay="0"/>
-                                          </p:stCondLst>
-                                        </p:cTn>
-                                        <p:tgtEl>
-                                          <p:spTgt spid="48"/>
-                                        </p:tgtEl>
-                                        <p:attrNameLst>
-                                          <p:attrName>style.visibility</p:attrName>
-                                        </p:attrNameLst>
-                                      </p:cBhvr>
-                                      <p:to>
-                                        <p:strVal val="visible"/>
-                                      </p:to>
-                                    </p:set>
-                                    <p:animEffect transition="in" filter="fade">
-                                      <p:cBhvr>
-                                        <p:cTn id="75" dur="1000"/>
-                                        <p:tgtEl>
-                                          <p:spTgt spid="48"/>
-                                        </p:tgtEl>
-                                      </p:cBhvr>
-                                    </p:animEffect>
-                                    <p:anim calcmode="lin" valueType="num">
-                                      <p:cBhvr>
-                                        <p:cTn id="76" dur="1000" fill="hold"/>
                                         <p:tgtEl>
                                           <p:spTgt spid="48"/>
                                         </p:tgtEl>
@@ -12776,7 +12698,7 @@
                                     </p:anim>
                                     <p:anim calcmode="lin" valueType="num">
                                       <p:cBhvr>
-                                        <p:cTn id="77" dur="1000" fill="hold"/>
+                                        <p:cTn id="63" dur="1000" fill="hold"/>
                                         <p:tgtEl>
                                           <p:spTgt spid="48"/>
                                         </p:tgtEl>
@@ -12829,8 +12751,6 @@
     </p:tnLst>
     <p:bldLst>
       <p:bldP spid="24" grpId="0"/>
-      <p:bldP spid="9" grpId="0"/>
-      <p:bldP spid="23" grpId="0"/>
       <p:bldP spid="36" grpId="0"/>
       <p:bldP spid="37" grpId="0"/>
       <p:bldP spid="40" grpId="0"/>
@@ -12841,64 +12761,6 @@
       <p:bldP spid="48" grpId="0"/>
     </p:bldLst>
   </p:timing>
-</p:sld>
-</file>
-
-<file path=ppt/slides/slide4.xml><?xml version="1.0" encoding="utf-8"?>
-<p:sld xmlns:a="http://schemas.openxmlformats.org/drawingml/2006/main" xmlns:r="http://schemas.openxmlformats.org/officeDocument/2006/relationships" xmlns:p="http://schemas.openxmlformats.org/presentationml/2006/main">
-  <p:cSld>
-    <p:spTree>
-      <p:nvGrpSpPr>
-        <p:cNvPr id="1" name=""/>
-        <p:cNvGrpSpPr/>
-        <p:nvPr/>
-      </p:nvGrpSpPr>
-      <p:grpSpPr>
-        <a:xfrm>
-          <a:off x="0" y="0"/>
-          <a:ext cx="0" cy="0"/>
-          <a:chOff x="0" y="0"/>
-          <a:chExt cx="0" cy="0"/>
-        </a:xfrm>
-      </p:grpSpPr>
-      <p:sp>
-        <p:nvSpPr>
-          <p:cNvPr id="2" name="Title 1">
-            <a:extLst>
-              <a:ext uri="{FF2B5EF4-FFF2-40B4-BE49-F238E27FC236}">
-                <a16:creationId xmlns:a16="http://schemas.microsoft.com/office/drawing/2014/main" id="{94EBABD5-927C-40D9-B3DE-DE349CACDF22}"/>
-              </a:ext>
-            </a:extLst>
-          </p:cNvPr>
-          <p:cNvSpPr>
-            <a:spLocks noGrp="1"/>
-          </p:cNvSpPr>
-          <p:nvPr>
-            <p:ph type="title"/>
-          </p:nvPr>
-        </p:nvSpPr>
-        <p:spPr/>
-        <p:txBody>
-          <a:bodyPr/>
-          <a:lstStyle/>
-          <a:p>
-            <a:r>
-              <a:rPr lang="en-US" dirty="0"/>
-              <a:t>Summary</a:t>
-            </a:r>
-          </a:p>
-        </p:txBody>
-      </p:sp>
-    </p:spTree>
-    <p:extLst>
-      <p:ext uri="{BB962C8B-B14F-4D97-AF65-F5344CB8AC3E}">
-        <p14:creationId xmlns:p14="http://schemas.microsoft.com/office/powerpoint/2010/main" val="1033262323"/>
-      </p:ext>
-    </p:extLst>
-  </p:cSld>
-  <p:clrMapOvr>
-    <a:masterClrMapping/>
-  </p:clrMapOvr>
 </p:sld>
 </file>
 
@@ -12924,7 +12786,7 @@
           <p:cNvPr id="2" name="Title 1">
             <a:extLst>
               <a:ext uri="{FF2B5EF4-FFF2-40B4-BE49-F238E27FC236}">
-                <a16:creationId xmlns:a16="http://schemas.microsoft.com/office/drawing/2014/main" id="{6A22A7E4-5C91-4AE1-9A37-1DE12AC7695D}"/>
+                <a16:creationId xmlns:a16="http://schemas.microsoft.com/office/drawing/2014/main" id="{CA60F242-51DD-4753-95CC-51243353C4A9}"/>
               </a:ext>
             </a:extLst>
           </p:cNvPr>
@@ -12935,14 +12797,19 @@
             <p:ph type="title"/>
           </p:nvPr>
         </p:nvSpPr>
-        <p:spPr/>
+        <p:spPr>
+          <a:xfrm>
+            <a:off x="838200" y="365125"/>
+            <a:ext cx="10515600" cy="1325563"/>
+          </a:xfrm>
+        </p:spPr>
         <p:txBody>
           <a:bodyPr/>
           <a:lstStyle/>
           <a:p>
             <a:r>
               <a:rPr lang="en-US" dirty="0"/>
-              <a:t>TOC</a:t>
+              <a:t>Methodology</a:t>
             </a:r>
           </a:p>
         </p:txBody>
@@ -12952,7 +12819,7 @@
           <p:cNvPr id="3" name="Rectangle 2">
             <a:extLst>
               <a:ext uri="{FF2B5EF4-FFF2-40B4-BE49-F238E27FC236}">
-                <a16:creationId xmlns:a16="http://schemas.microsoft.com/office/drawing/2014/main" id="{6527710A-FE55-4353-ADEE-D0B59E31B9CE}"/>
+                <a16:creationId xmlns:a16="http://schemas.microsoft.com/office/drawing/2014/main" id="{147433B9-B272-4ACE-AB87-C00C52F96CF1}"/>
               </a:ext>
             </a:extLst>
           </p:cNvPr>
@@ -12961,20 +12828,20 @@
         </p:nvSpPr>
         <p:spPr>
           <a:xfrm>
-            <a:off x="1124989" y="2115639"/>
-            <a:ext cx="6096000" cy="4001095"/>
+            <a:off x="482138" y="1456163"/>
+            <a:ext cx="10972800" cy="1661993"/>
           </a:xfrm>
           <a:prstGeom prst="rect">
             <a:avLst/>
           </a:prstGeom>
         </p:spPr>
         <p:txBody>
-          <a:bodyPr>
+          <a:bodyPr wrap="square">
             <a:spAutoFit/>
           </a:bodyPr>
           <a:lstStyle/>
           <a:p>
-            <a:pPr marL="457200" fontAlgn="base">
+            <a:pPr marL="742950" indent="-285750" fontAlgn="base">
               <a:spcBef>
                 <a:spcPts val="1200"/>
               </a:spcBef>
@@ -12986,106 +12853,13 @@
                 <a:solidFill>
                   <a:srgbClr val="000000"/>
                 </a:solidFill>
-                <a:latin typeface="Arial" panose="020B0604020202020204" pitchFamily="34" charset="0"/>
+                <a:latin typeface="Lato" panose="020F0502020204030203"/>
               </a:rPr>
-              <a:t>Which markets are the companies focusing on?</a:t>
+              <a:t>We identified our main data set of investor data</a:t>
             </a:r>
           </a:p>
           <a:p>
-            <a:pPr marL="457200" fontAlgn="base">
-              <a:buFont typeface="Arial" panose="020B0604020202020204" pitchFamily="34" charset="0"/>
-              <a:buChar char="•"/>
-            </a:pPr>
-            <a:r>
-              <a:rPr lang="en-US" dirty="0">
-                <a:solidFill>
-                  <a:srgbClr val="000000"/>
-                </a:solidFill>
-                <a:latin typeface="Arial" panose="020B0604020202020204" pitchFamily="34" charset="0"/>
-              </a:rPr>
-              <a:t>What stage are the companies in (based on round)?</a:t>
-            </a:r>
-          </a:p>
-          <a:p>
-            <a:pPr marL="457200" fontAlgn="base">
-              <a:buFont typeface="Arial" panose="020B0604020202020204" pitchFamily="34" charset="0"/>
-              <a:buChar char="•"/>
-            </a:pPr>
-            <a:r>
-              <a:rPr lang="en-US" dirty="0">
-                <a:solidFill>
-                  <a:srgbClr val="000000"/>
-                </a:solidFill>
-                <a:latin typeface="Arial" panose="020B0604020202020204" pitchFamily="34" charset="0"/>
-              </a:rPr>
-              <a:t>Which companies have been able to raise the most money?</a:t>
-            </a:r>
-          </a:p>
-          <a:p>
-            <a:pPr marL="457200" fontAlgn="base">
-              <a:buFont typeface="Arial" panose="020B0604020202020204" pitchFamily="34" charset="0"/>
-              <a:buChar char="•"/>
-            </a:pPr>
-            <a:r>
-              <a:rPr lang="en-US" dirty="0">
-                <a:solidFill>
-                  <a:srgbClr val="000000"/>
-                </a:solidFill>
-                <a:latin typeface="Arial" panose="020B0604020202020204" pitchFamily="34" charset="0"/>
-              </a:rPr>
-              <a:t>How many employees are at the companies (only to be answered if in the dataset)?</a:t>
-            </a:r>
-          </a:p>
-          <a:p>
-            <a:pPr marL="457200" fontAlgn="base">
-              <a:buFont typeface="Arial" panose="020B0604020202020204" pitchFamily="34" charset="0"/>
-              <a:buChar char="•"/>
-            </a:pPr>
-            <a:r>
-              <a:rPr lang="en-US" dirty="0">
-                <a:solidFill>
-                  <a:srgbClr val="000000"/>
-                </a:solidFill>
-                <a:latin typeface="Arial" panose="020B0604020202020204" pitchFamily="34" charset="0"/>
-              </a:rPr>
-              <a:t>Which cities have the most startup / young companies?</a:t>
-            </a:r>
-          </a:p>
-          <a:p>
-            <a:pPr marL="457200" fontAlgn="base">
-              <a:buFont typeface="Arial" panose="020B0604020202020204" pitchFamily="34" charset="0"/>
-              <a:buChar char="•"/>
-            </a:pPr>
-            <a:r>
-              <a:rPr lang="en-US" dirty="0">
-                <a:solidFill>
-                  <a:srgbClr val="000000"/>
-                </a:solidFill>
-                <a:latin typeface="Arial" panose="020B0604020202020204" pitchFamily="34" charset="0"/>
-              </a:rPr>
-              <a:t>Is there a relationship between company age and money raised?</a:t>
-            </a:r>
-          </a:p>
-          <a:p>
-            <a:pPr marL="457200" fontAlgn="base">
-              <a:spcAft>
-                <a:spcPts val="1200"/>
-              </a:spcAft>
-              <a:buFont typeface="Arial" panose="020B0604020202020204" pitchFamily="34" charset="0"/>
-              <a:buChar char="•"/>
-            </a:pPr>
-            <a:r>
-              <a:rPr lang="en-US" dirty="0">
-                <a:solidFill>
-                  <a:srgbClr val="000000"/>
-                </a:solidFill>
-                <a:latin typeface="Arial" panose="020B0604020202020204" pitchFamily="34" charset="0"/>
-              </a:rPr>
-              <a:t>Descriptive statistics for companies: different sizes (employee count), city, growth stage</a:t>
-            </a:r>
-          </a:p>
-          <a:p>
-            <a:pPr marL="457200" fontAlgn="base">
+            <a:pPr marL="742950" indent="-285750" fontAlgn="base">
               <a:spcBef>
                 <a:spcPts val="1200"/>
               </a:spcBef>
@@ -13097,9 +12871,63 @@
                 <a:solidFill>
                   <a:srgbClr val="000000"/>
                 </a:solidFill>
-                <a:latin typeface="Arial" panose="020B0604020202020204" pitchFamily="34" charset="0"/>
+                <a:latin typeface="Lato" panose="020F0502020204030203"/>
               </a:rPr>
-              <a:t>Other questions…</a:t>
+              <a:t>We then cleaned this data</a:t>
+            </a:r>
+          </a:p>
+          <a:p>
+            <a:pPr marL="742950" indent="-285750" fontAlgn="base">
+              <a:spcBef>
+                <a:spcPts val="1200"/>
+              </a:spcBef>
+              <a:buFont typeface="Arial" panose="020B0604020202020204" pitchFamily="34" charset="0"/>
+              <a:buChar char="•"/>
+            </a:pPr>
+            <a:r>
+              <a:rPr lang="en-US" dirty="0">
+                <a:solidFill>
+                  <a:srgbClr val="000000"/>
+                </a:solidFill>
+                <a:latin typeface="Lato" panose="020F0502020204030203"/>
+              </a:rPr>
+              <a:t>We then pulled in weather data from weather </a:t>
+            </a:r>
+            <a:r>
+              <a:rPr lang="en-US" dirty="0" err="1">
+                <a:solidFill>
+                  <a:srgbClr val="000000"/>
+                </a:solidFill>
+                <a:latin typeface="Lato" panose="020F0502020204030203"/>
+              </a:rPr>
+              <a:t>api</a:t>
+            </a:r>
+            <a:r>
+              <a:rPr lang="en-US" dirty="0">
+                <a:solidFill>
+                  <a:srgbClr val="000000"/>
+                </a:solidFill>
+                <a:latin typeface="Lato" panose="020F0502020204030203"/>
+              </a:rPr>
+              <a:t> and combined with main data set</a:t>
+            </a:r>
+          </a:p>
+          <a:p>
+            <a:pPr marL="742950" indent="-285750" fontAlgn="base">
+              <a:spcBef>
+                <a:spcPts val="1200"/>
+              </a:spcBef>
+              <a:buFont typeface="Arial" panose="020B0604020202020204" pitchFamily="34" charset="0"/>
+              <a:buChar char="•"/>
+            </a:pPr>
+            <a:r>
+              <a:rPr lang="en-US" dirty="0">
+                <a:solidFill>
+                  <a:srgbClr val="000000"/>
+                </a:solidFill>
+                <a:latin typeface="Lato" panose="020F0502020204030203"/>
+              </a:rPr>
+              <a:t>We then started to iterate on observations of the data</a:t>
             </a:r>
           </a:p>
         </p:txBody>
@@ -13107,7 +12935,7 @@
     </p:spTree>
     <p:extLst>
       <p:ext uri="{BB962C8B-B14F-4D97-AF65-F5344CB8AC3E}">
-        <p14:creationId xmlns:p14="http://schemas.microsoft.com/office/powerpoint/2010/main" val="3405044072"/>
+        <p14:creationId xmlns:p14="http://schemas.microsoft.com/office/powerpoint/2010/main" val="2000529648"/>
       </p:ext>
     </p:extLst>
   </p:cSld>
@@ -13118,6 +12946,108 @@
 </file>
 
 <file path=ppt/slides/slide6.xml><?xml version="1.0" encoding="utf-8"?>
+<p:sld xmlns:a="http://schemas.openxmlformats.org/drawingml/2006/main" xmlns:r="http://schemas.openxmlformats.org/officeDocument/2006/relationships" xmlns:p="http://schemas.openxmlformats.org/presentationml/2006/main">
+  <p:cSld>
+    <p:spTree>
+      <p:nvGrpSpPr>
+        <p:cNvPr id="1" name=""/>
+        <p:cNvGrpSpPr/>
+        <p:nvPr/>
+      </p:nvGrpSpPr>
+      <p:grpSpPr>
+        <a:xfrm>
+          <a:off x="0" y="0"/>
+          <a:ext cx="0" cy="0"/>
+          <a:chOff x="0" y="0"/>
+          <a:chExt cx="0" cy="0"/>
+        </a:xfrm>
+      </p:grpSpPr>
+      <p:sp>
+        <p:nvSpPr>
+          <p:cNvPr id="2" name="Title 1">
+            <a:extLst>
+              <a:ext uri="{FF2B5EF4-FFF2-40B4-BE49-F238E27FC236}">
+                <a16:creationId xmlns:a16="http://schemas.microsoft.com/office/drawing/2014/main" id="{94EBABD5-927C-40D9-B3DE-DE349CACDF22}"/>
+              </a:ext>
+            </a:extLst>
+          </p:cNvPr>
+          <p:cNvSpPr>
+            <a:spLocks noGrp="1"/>
+          </p:cNvSpPr>
+          <p:nvPr>
+            <p:ph type="title"/>
+          </p:nvPr>
+        </p:nvSpPr>
+        <p:spPr/>
+        <p:txBody>
+          <a:bodyPr/>
+          <a:lstStyle/>
+          <a:p>
+            <a:r>
+              <a:rPr lang="en-US" dirty="0"/>
+              <a:t>Summary</a:t>
+            </a:r>
+          </a:p>
+        </p:txBody>
+      </p:sp>
+      <p:sp>
+        <p:nvSpPr>
+          <p:cNvPr id="4" name="Rectangle 3">
+            <a:extLst>
+              <a:ext uri="{FF2B5EF4-FFF2-40B4-BE49-F238E27FC236}">
+                <a16:creationId xmlns:a16="http://schemas.microsoft.com/office/drawing/2014/main" id="{E1858555-57FD-43D0-BF05-F561DF8C092C}"/>
+              </a:ext>
+            </a:extLst>
+          </p:cNvPr>
+          <p:cNvSpPr/>
+          <p:nvPr/>
+        </p:nvSpPr>
+        <p:spPr>
+          <a:xfrm>
+            <a:off x="1124989" y="2115639"/>
+            <a:ext cx="6096000" cy="369332"/>
+          </a:xfrm>
+          <a:prstGeom prst="rect">
+            <a:avLst/>
+          </a:prstGeom>
+        </p:spPr>
+        <p:txBody>
+          <a:bodyPr>
+            <a:spAutoFit/>
+          </a:bodyPr>
+          <a:lstStyle/>
+          <a:p>
+            <a:pPr marL="457200" fontAlgn="base">
+              <a:spcBef>
+                <a:spcPts val="1200"/>
+              </a:spcBef>
+            </a:pPr>
+            <a:r>
+              <a:rPr lang="en-US" dirty="0">
+                <a:solidFill>
+                  <a:srgbClr val="000000"/>
+                </a:solidFill>
+                <a:latin typeface="Lato" panose="020F0502020204030203"/>
+              </a:rPr>
+              <a:t>We have observed…</a:t>
+            </a:r>
+          </a:p>
+        </p:txBody>
+      </p:sp>
+    </p:spTree>
+    <p:extLst>
+      <p:ext uri="{BB962C8B-B14F-4D97-AF65-F5344CB8AC3E}">
+        <p14:creationId xmlns:p14="http://schemas.microsoft.com/office/powerpoint/2010/main" val="1033262323"/>
+      </p:ext>
+    </p:extLst>
+  </p:cSld>
+  <p:clrMapOvr>
+    <a:masterClrMapping/>
+  </p:clrMapOvr>
+</p:sld>
+</file>
+
+<file path=ppt/slides/slide7.xml><?xml version="1.0" encoding="utf-8"?>
 <p:sld xmlns:a="http://schemas.openxmlformats.org/drawingml/2006/main" xmlns:r="http://schemas.openxmlformats.org/officeDocument/2006/relationships" xmlns:p="http://schemas.openxmlformats.org/presentationml/2006/main">
   <p:cSld>
     <p:spTree>
